--- a/rel-electro-immersif-originals/2SORT-582_524_mo-espace_interactif_bases_du_code_arduino.pptx
+++ b/rel-electro-immersif-originals/2SORT-582_524_mo-espace_interactif_bases_du_code_arduino.pptx
@@ -5,45 +5,37 @@
     <p:sldMasterId id="2147483648" r:id="rId4"/>
   </p:sldMasterIdLst>
   <p:notesMasterIdLst>
-    <p:notesMasterId r:id="rId16"/>
+    <p:notesMasterId r:id="rId8"/>
   </p:notesMasterIdLst>
   <p:handoutMasterIdLst>
-    <p:handoutMasterId r:id="rId17"/>
+    <p:handoutMasterId r:id="rId9"/>
   </p:handoutMasterIdLst>
   <p:sldIdLst>
-    <p:sldId id="2524" r:id="rId5"/>
-    <p:sldId id="2865" r:id="rId6"/>
-    <p:sldId id="2866" r:id="rId7"/>
-    <p:sldId id="2867" r:id="rId8"/>
-    <p:sldId id="2896" r:id="rId9"/>
-    <p:sldId id="2868" r:id="rId10"/>
-    <p:sldId id="2941" r:id="rId11"/>
-    <p:sldId id="2887" r:id="rId12"/>
-    <p:sldId id="2940" r:id="rId13"/>
-    <p:sldId id="2928" r:id="rId14"/>
-    <p:sldId id="2929" r:id="rId15"/>
+    <p:sldId id="2940" r:id="rId5"/>
+    <p:sldId id="2928" r:id="rId6"/>
+    <p:sldId id="2929" r:id="rId7"/>
   </p:sldIdLst>
   <p:sldSz cx="12192000" cy="6858000"/>
   <p:notesSz cx="6858000" cy="9144000"/>
   <p:embeddedFontLst>
     <p:embeddedFont>
       <p:font typeface="Calibri" panose="020F0502020204030204" pitchFamily="34" charset="0"/>
-      <p:regular r:id="rId18"/>
-      <p:bold r:id="rId19"/>
-      <p:italic r:id="rId20"/>
-      <p:boldItalic r:id="rId21"/>
+      <p:regular r:id="rId10"/>
+      <p:bold r:id="rId11"/>
+      <p:italic r:id="rId12"/>
+      <p:boldItalic r:id="rId13"/>
     </p:embeddedFont>
     <p:embeddedFont>
       <p:font typeface="Gill Sans MT" panose="020B0502020104020203" pitchFamily="34" charset="0"/>
-      <p:regular r:id="rId22"/>
-      <p:bold r:id="rId23"/>
-      <p:italic r:id="rId24"/>
-      <p:boldItalic r:id="rId25"/>
+      <p:regular r:id="rId14"/>
+      <p:bold r:id="rId15"/>
+      <p:italic r:id="rId16"/>
+      <p:boldItalic r:id="rId17"/>
     </p:embeddedFont>
     <p:embeddedFont>
       <p:font typeface="Gill Sans Nova Light" panose="020B0302020104020203" pitchFamily="34" charset="0"/>
-      <p:regular r:id="rId26"/>
-      <p:italic r:id="rId27"/>
+      <p:regular r:id="rId18"/>
+      <p:italic r:id="rId19"/>
     </p:embeddedFont>
   </p:embeddedFontLst>
   <p:defaultTextStyle>
@@ -146,14 +138,6 @@
       <p14:sectionLst xmlns:p14="http://schemas.microsoft.com/office/powerpoint/2010/main">
         <p14:section name="Section par défaut" id="{E0990E53-D662-4AC3-9844-4B399E8DDCF8}">
           <p14:sldIdLst>
-            <p14:sldId id="2524"/>
-            <p14:sldId id="2865"/>
-            <p14:sldId id="2866"/>
-            <p14:sldId id="2867"/>
-            <p14:sldId id="2896"/>
-            <p14:sldId id="2868"/>
-            <p14:sldId id="2941"/>
-            <p14:sldId id="2887"/>
             <p14:sldId id="2940"/>
             <p14:sldId id="2928"/>
             <p14:sldId id="2929"/>
@@ -175,14 +159,6 @@
 <p:cmAuthorLst xmlns:a="http://schemas.openxmlformats.org/drawingml/2006/main" xmlns:r="http://schemas.openxmlformats.org/officeDocument/2006/relationships" xmlns:p="http://schemas.openxmlformats.org/presentationml/2006/main">
   <p:cmAuthor id="3" name="Auteur" initials="A" lastIdx="0" clrIdx="2"/>
 </p:cmAuthorLst>
-</file>
-
-<file path=ppt/revisionInfo.xml><?xml version="1.0" encoding="utf-8"?>
-<p1510:revInfo xmlns:a="http://schemas.openxmlformats.org/drawingml/2006/main" xmlns:r="http://schemas.openxmlformats.org/officeDocument/2006/relationships" xmlns:p1510="http://schemas.microsoft.com/office/powerpoint/2015/10/main">
-  <p1510:revLst>
-    <p1510:client id="{8D60B3D7-70D5-4FC2-BB24-FC21705F40B5}" v="9" dt="2021-09-09T11:39:02.374"/>
-  </p1510:revLst>
-</p1510:revInfo>
 </file>
 
 <file path=ppt/handoutMasters/handoutMaster1.xml><?xml version="1.0" encoding="utf-8"?>
@@ -281,7 +257,7 @@
             <a:pPr rtl="0"/>
             <a:fld id="{7E5DB661-9218-4D06-90BF-49C4452C0C70}" type="datetime1">
               <a:rPr lang="fr-FR" smtClean="0"/>
-              <a:t>08/09/2021</a:t>
+              <a:t>12/09/2022</a:t>
             </a:fld>
             <a:endParaRPr lang="fr-FR" dirty="0"/>
           </a:p>
@@ -463,7 +439,7 @@
             <a:pPr rtl="0"/>
             <a:fld id="{069ED3DB-095D-4A24-825E-62E1C3701A02}" type="datetime1">
               <a:rPr lang="fr-FR" noProof="0" smtClean="0"/>
-              <a:t>08/09/2021</a:t>
+              <a:t>12/09/2022</a:t>
             </a:fld>
             <a:endParaRPr lang="fr-FR" noProof="0" dirty="0"/>
           </a:p>
@@ -732,102 +708,6 @@
     </a:lvl9pPr>
   </p:notesStyle>
 </p:notesMaster>
-</file>
-
-<file path=ppt/notesSlides/notesSlide1.xml><?xml version="1.0" encoding="utf-8"?>
-<p:notes xmlns:a="http://schemas.openxmlformats.org/drawingml/2006/main" xmlns:r="http://schemas.openxmlformats.org/officeDocument/2006/relationships" xmlns:p="http://schemas.openxmlformats.org/presentationml/2006/main">
-  <p:cSld>
-    <p:spTree>
-      <p:nvGrpSpPr>
-        <p:cNvPr id="1" name=""/>
-        <p:cNvGrpSpPr/>
-        <p:nvPr/>
-      </p:nvGrpSpPr>
-      <p:grpSpPr>
-        <a:xfrm>
-          <a:off x="0" y="0"/>
-          <a:ext cx="0" cy="0"/>
-          <a:chOff x="0" y="0"/>
-          <a:chExt cx="0" cy="0"/>
-        </a:xfrm>
-      </p:grpSpPr>
-      <p:sp>
-        <p:nvSpPr>
-          <p:cNvPr id="2" name="Espace réservé de l’image des diapositives 1"/>
-          <p:cNvSpPr>
-            <a:spLocks noGrp="1" noRot="1" noChangeAspect="1"/>
-          </p:cNvSpPr>
-          <p:nvPr>
-            <p:ph type="sldImg"/>
-          </p:nvPr>
-        </p:nvSpPr>
-        <p:spPr>
-          <a:xfrm>
-            <a:off x="381000" y="685800"/>
-            <a:ext cx="6096000" cy="3429000"/>
-          </a:xfrm>
-        </p:spPr>
-      </p:sp>
-      <p:sp>
-        <p:nvSpPr>
-          <p:cNvPr id="3" name="Espace réservé des commentaires 2"/>
-          <p:cNvSpPr>
-            <a:spLocks noGrp="1"/>
-          </p:cNvSpPr>
-          <p:nvPr>
-            <p:ph type="body" idx="1"/>
-          </p:nvPr>
-        </p:nvSpPr>
-        <p:spPr/>
-        <p:txBody>
-          <a:bodyPr rtlCol="0"/>
-          <a:lstStyle/>
-          <a:p>
-            <a:pPr rtl="0"/>
-            <a:endParaRPr lang="fr-FR" dirty="0"/>
-          </a:p>
-        </p:txBody>
-      </p:sp>
-      <p:sp>
-        <p:nvSpPr>
-          <p:cNvPr id="4" name="Espace réservé du numéro de diapositive 3"/>
-          <p:cNvSpPr>
-            <a:spLocks noGrp="1"/>
-          </p:cNvSpPr>
-          <p:nvPr>
-            <p:ph type="sldNum" sz="quarter" idx="5"/>
-          </p:nvPr>
-        </p:nvSpPr>
-        <p:spPr>
-          <a:xfrm>
-            <a:off x="3884613" y="8685213"/>
-            <a:ext cx="2971800" cy="458787"/>
-          </a:xfrm>
-        </p:spPr>
-        <p:txBody>
-          <a:bodyPr rtlCol="0"/>
-          <a:lstStyle/>
-          <a:p>
-            <a:pPr rtl="0"/>
-            <a:fld id="{3CFA0038-7055-434C-B6C4-B8C69565C600}" type="slidenum">
-              <a:rPr lang="fr-FR" smtClean="0"/>
-              <a:t>1</a:t>
-            </a:fld>
-            <a:endParaRPr lang="fr-FR" dirty="0"/>
-          </a:p>
-        </p:txBody>
-      </p:sp>
-    </p:spTree>
-    <p:extLst>
-      <p:ext uri="{BB962C8B-B14F-4D97-AF65-F5344CB8AC3E}">
-        <p14:creationId xmlns:p14="http://schemas.microsoft.com/office/powerpoint/2010/main" val="3249664736"/>
-      </p:ext>
-    </p:extLst>
-  </p:cSld>
-  <p:clrMapOvr>
-    <a:masterClrMapping/>
-  </p:clrMapOvr>
-</p:notes>
 </file>
 
 <file path=ppt/slideLayouts/slideLayout1.xml><?xml version="1.0" encoding="utf-8"?>
@@ -6455,7 +6335,7 @@
           </a:ln>
           <a:extLst>
             <a:ext uri="{C572A759-6A51-4108-AA02-DFA0A04FC94B}">
-              <ma14:wrappingTextBoxFlag xmlns="" xmlns:ma14="http://schemas.microsoft.com/office/mac/drawingml/2011/main" val="1"/>
+              <ma14:wrappingTextBoxFlag xmlns:ma14="http://schemas.microsoft.com/office/mac/drawingml/2011/main" xmlns="" val="1"/>
             </a:ext>
           </a:extLst>
         </p:spPr>
@@ -6701,7 +6581,7 @@
           </a:ln>
           <a:extLst>
             <a:ext uri="{C572A759-6A51-4108-AA02-DFA0A04FC94B}">
-              <ma14:wrappingTextBoxFlag xmlns="" xmlns:ma14="http://schemas.microsoft.com/office/mac/drawingml/2011/main" val="1"/>
+              <ma14:wrappingTextBoxFlag xmlns:ma14="http://schemas.microsoft.com/office/mac/drawingml/2011/main" xmlns="" val="1"/>
             </a:ext>
           </a:extLst>
         </p:spPr>
@@ -6757,7 +6637,7 @@
           </a:ln>
           <a:extLst>
             <a:ext uri="{C572A759-6A51-4108-AA02-DFA0A04FC94B}">
-              <ma14:wrappingTextBoxFlag xmlns="" xmlns:ma14="http://schemas.microsoft.com/office/mac/drawingml/2011/main" val="1"/>
+              <ma14:wrappingTextBoxFlag xmlns:ma14="http://schemas.microsoft.com/office/mac/drawingml/2011/main" xmlns="" val="1"/>
             </a:ext>
           </a:extLst>
         </p:spPr>
@@ -7181,7 +7061,7 @@
           <p:cNvPr id="2" name="Titre 1">
             <a:extLst>
               <a:ext uri="{FF2B5EF4-FFF2-40B4-BE49-F238E27FC236}">
-                <a16:creationId xmlns:a16="http://schemas.microsoft.com/office/drawing/2014/main" id="{14801ABD-7339-4C70-82A3-696BE8EF14DF}"/>
+                <a16:creationId xmlns:a16="http://schemas.microsoft.com/office/drawing/2014/main" id="{8B93BD86-1677-4312-9146-A273FB3E9BAC}"/>
               </a:ext>
             </a:extLst>
           </p:cNvPr>
@@ -7194,30 +7074,80 @@
         </p:nvSpPr>
         <p:spPr>
           <a:xfrm>
-            <a:off x="1360458" y="2231328"/>
-            <a:ext cx="3932237" cy="1868896"/>
-          </a:xfrm>
-        </p:spPr>
-        <p:txBody>
-          <a:bodyPr rtlCol="0" anchor="b">
-            <a:normAutofit/>
+            <a:off x="838200" y="365126"/>
+            <a:ext cx="10515600" cy="745828"/>
+          </a:xfrm>
+        </p:spPr>
+        <p:txBody>
+          <a:bodyPr>
+            <a:noAutofit/>
           </a:bodyPr>
           <a:lstStyle/>
           <a:p>
-            <a:pPr algn="r"/>
-            <a:r>
-              <a:rPr lang="fr-FR" sz="3400" dirty="0"/>
-              <a:t>LES BASES DU CODE ARDUINO</a:t>
-            </a:r>
+            <a:r>
+              <a:rPr lang="en-CA" sz="3600" dirty="0"/>
+              <a:t>MESURER UNE TENSION AVEC </a:t>
+            </a:r>
+            <a:r>
+              <a:rPr lang="en-CA" sz="3600" dirty="0" err="1"/>
+              <a:t>analogRead</a:t>
+            </a:r>
+            <a:r>
+              <a:rPr lang="en-CA" sz="3600" dirty="0"/>
+              <a:t>()</a:t>
+            </a:r>
+            <a:endParaRPr lang="fr-CA" sz="3600" dirty="0"/>
+          </a:p>
+        </p:txBody>
+      </p:sp>
+      <p:sp>
+        <p:nvSpPr>
+          <p:cNvPr id="4" name="Rectangle 3">
+            <a:extLst>
+              <a:ext uri="{FF2B5EF4-FFF2-40B4-BE49-F238E27FC236}">
+                <a16:creationId xmlns:a16="http://schemas.microsoft.com/office/drawing/2014/main" id="{BD2618F9-D697-4BF0-92A8-C441FA2D191A}"/>
+              </a:ext>
+            </a:extLst>
+          </p:cNvPr>
+          <p:cNvSpPr/>
+          <p:nvPr/>
+        </p:nvSpPr>
+        <p:spPr>
+          <a:xfrm>
+            <a:off x="5653245" y="5969654"/>
+            <a:ext cx="5548661" cy="523220"/>
+          </a:xfrm>
+          <a:prstGeom prst="rect">
+            <a:avLst/>
+          </a:prstGeom>
+        </p:spPr>
+        <p:txBody>
+          <a:bodyPr wrap="square">
+            <a:spAutoFit/>
+          </a:bodyPr>
+          <a:lstStyle/>
+          <a:p>
+            <a:r>
+              <a:rPr lang="fr-CA" sz="1400" dirty="0">
+                <a:hlinkClick r:id="rId2"/>
+              </a:rPr>
+              <a:t>https://www.arduino.cc/reference/en/language/functions/analog-io/analogread/</a:t>
+            </a:r>
+            <a:endParaRPr lang="fr-CA" sz="1400" dirty="0"/>
+          </a:p>
+          <a:p>
+            <a:pPr algn="ctr"/>
+            <a:endParaRPr lang="fr-CA" sz="1400" dirty="0"/>
           </a:p>
         </p:txBody>
       </p:sp>
       <p:pic>
         <p:nvPicPr>
-          <p:cNvPr id="12" name="Image 11">
-            <a:extLst>
-              <a:ext uri="{FF2B5EF4-FFF2-40B4-BE49-F238E27FC236}">
-                <a16:creationId xmlns:a16="http://schemas.microsoft.com/office/drawing/2014/main" id="{862D0BBB-EA47-4306-8F0E-C0229D9120B5}"/>
+          <p:cNvPr id="5" name="Image 4">
+            <a:hlinkClick r:id="rId2"/>
+            <a:extLst>
+              <a:ext uri="{FF2B5EF4-FFF2-40B4-BE49-F238E27FC236}">
+                <a16:creationId xmlns:a16="http://schemas.microsoft.com/office/drawing/2014/main" id="{B62806D1-FBD9-4118-9F5F-F52CCCFEC22E}"/>
               </a:ext>
             </a:extLst>
           </p:cNvPr>
@@ -7234,19 +7164,319 @@
         </p:blipFill>
         <p:spPr>
           <a:xfrm>
-            <a:off x="5468865" y="992187"/>
-            <a:ext cx="3994235" cy="4873625"/>
+            <a:off x="5653245" y="1181519"/>
+            <a:ext cx="5548661" cy="4789918"/>
+          </a:xfrm>
+          <a:prstGeom prst="rect">
+            <a:avLst/>
+          </a:prstGeom>
+        </p:spPr>
+      </p:pic>
+      <p:pic>
+        <p:nvPicPr>
+          <p:cNvPr id="6" name="Image 5">
+            <a:extLst>
+              <a:ext uri="{FF2B5EF4-FFF2-40B4-BE49-F238E27FC236}">
+                <a16:creationId xmlns:a16="http://schemas.microsoft.com/office/drawing/2014/main" id="{5205D6F7-494D-40DB-8A06-0186C909D620}"/>
+              </a:ext>
+            </a:extLst>
+          </p:cNvPr>
+          <p:cNvPicPr>
+            <a:picLocks noChangeAspect="1"/>
+          </p:cNvPicPr>
+          <p:nvPr/>
+        </p:nvPicPr>
+        <p:blipFill>
+          <a:blip r:embed="rId4"/>
+          <a:stretch>
+            <a:fillRect/>
+          </a:stretch>
+        </p:blipFill>
+        <p:spPr>
+          <a:xfrm>
+            <a:off x="1174032" y="1232336"/>
+            <a:ext cx="4038904" cy="280779"/>
+          </a:xfrm>
+          <a:prstGeom prst="rect">
+            <a:avLst/>
+          </a:prstGeom>
+        </p:spPr>
+      </p:pic>
+      <p:sp>
+        <p:nvSpPr>
+          <p:cNvPr id="51" name="ZoneTexte 50">
+            <a:extLst>
+              <a:ext uri="{FF2B5EF4-FFF2-40B4-BE49-F238E27FC236}">
+                <a16:creationId xmlns:a16="http://schemas.microsoft.com/office/drawing/2014/main" id="{3A64A0CB-9455-4144-996C-94416F2B5BB6}"/>
+              </a:ext>
+            </a:extLst>
+          </p:cNvPr>
+          <p:cNvSpPr txBox="1"/>
+          <p:nvPr/>
+        </p:nvSpPr>
+        <p:spPr>
+          <a:xfrm>
+            <a:off x="1686575" y="1205338"/>
+            <a:ext cx="761999" cy="307777"/>
+          </a:xfrm>
+          <a:prstGeom prst="rect">
+            <a:avLst/>
+          </a:prstGeom>
+          <a:solidFill>
+            <a:schemeClr val="bg2"/>
+          </a:solidFill>
+          <a:ln>
+            <a:noFill/>
+          </a:ln>
+        </p:spPr>
+        <p:style>
+          <a:lnRef idx="2">
+            <a:schemeClr val="dk1">
+              <a:shade val="50000"/>
+            </a:schemeClr>
+          </a:lnRef>
+          <a:fillRef idx="1">
+            <a:schemeClr val="dk1"/>
+          </a:fillRef>
+          <a:effectRef idx="0">
+            <a:schemeClr val="dk1"/>
+          </a:effectRef>
+          <a:fontRef idx="minor">
+            <a:schemeClr val="lt1"/>
+          </a:fontRef>
+        </p:style>
+        <p:txBody>
+          <a:bodyPr wrap="square" rtlCol="0">
+            <a:spAutoFit/>
+          </a:bodyPr>
+          <a:lstStyle/>
+          <a:p>
+            <a:pPr algn="ctr"/>
+            <a:r>
+              <a:rPr lang="fr-CA" sz="1400" dirty="0">
+                <a:solidFill>
+                  <a:schemeClr val="bg1"/>
+                </a:solidFill>
+              </a:rPr>
+              <a:t>valeur</a:t>
+            </a:r>
+          </a:p>
+        </p:txBody>
+      </p:sp>
+      <p:sp>
+        <p:nvSpPr>
+          <p:cNvPr id="52" name="ZoneTexte 51">
+            <a:extLst>
+              <a:ext uri="{FF2B5EF4-FFF2-40B4-BE49-F238E27FC236}">
+                <a16:creationId xmlns:a16="http://schemas.microsoft.com/office/drawing/2014/main" id="{36D8916D-3E14-49D2-B6B6-79638FF51A7A}"/>
+              </a:ext>
+            </a:extLst>
+          </p:cNvPr>
+          <p:cNvSpPr txBox="1"/>
+          <p:nvPr/>
+        </p:nvSpPr>
+        <p:spPr>
+          <a:xfrm>
+            <a:off x="4283072" y="1205337"/>
+            <a:ext cx="761999" cy="307777"/>
+          </a:xfrm>
+          <a:prstGeom prst="rect">
+            <a:avLst/>
+          </a:prstGeom>
+          <a:solidFill>
+            <a:schemeClr val="bg2"/>
+          </a:solidFill>
+          <a:ln>
+            <a:noFill/>
+          </a:ln>
+        </p:spPr>
+        <p:style>
+          <a:lnRef idx="2">
+            <a:schemeClr val="dk1">
+              <a:shade val="50000"/>
+            </a:schemeClr>
+          </a:lnRef>
+          <a:fillRef idx="1">
+            <a:schemeClr val="dk1"/>
+          </a:fillRef>
+          <a:effectRef idx="0">
+            <a:schemeClr val="dk1"/>
+          </a:effectRef>
+          <a:fontRef idx="minor">
+            <a:schemeClr val="lt1"/>
+          </a:fontRef>
+        </p:style>
+        <p:txBody>
+          <a:bodyPr wrap="square" rtlCol="0">
+            <a:spAutoFit/>
+          </a:bodyPr>
+          <a:lstStyle/>
+          <a:p>
+            <a:pPr algn="ctr"/>
+            <a:r>
+              <a:rPr lang="fr-CA" sz="1400" dirty="0">
+                <a:solidFill>
+                  <a:schemeClr val="bg1"/>
+                </a:solidFill>
+              </a:rPr>
+              <a:t>broche</a:t>
+            </a:r>
+          </a:p>
+        </p:txBody>
+      </p:sp>
+      <p:sp>
+        <p:nvSpPr>
+          <p:cNvPr id="53" name="ZoneTexte 52">
+            <a:extLst>
+              <a:ext uri="{FF2B5EF4-FFF2-40B4-BE49-F238E27FC236}">
+                <a16:creationId xmlns:a16="http://schemas.microsoft.com/office/drawing/2014/main" id="{B86C93ED-5AD3-45F8-BBD9-B7285DF87FC0}"/>
+              </a:ext>
+            </a:extLst>
+          </p:cNvPr>
+          <p:cNvSpPr txBox="1"/>
+          <p:nvPr/>
+        </p:nvSpPr>
+        <p:spPr>
+          <a:xfrm>
+            <a:off x="1082063" y="1742433"/>
+            <a:ext cx="4222841" cy="1200329"/>
           </a:xfrm>
           <a:prstGeom prst="rect">
             <a:avLst/>
           </a:prstGeom>
           <a:noFill/>
         </p:spPr>
-      </p:pic>
+        <p:txBody>
+          <a:bodyPr wrap="square" rtlCol="0">
+            <a:spAutoFit/>
+          </a:bodyPr>
+          <a:lstStyle/>
+          <a:p>
+            <a:r>
+              <a:rPr lang="en-CA" dirty="0"/>
+              <a:t>L</a:t>
+            </a:r>
+            <a:r>
+              <a:rPr lang="fr-CA" dirty="0"/>
+              <a:t>a fonction </a:t>
+            </a:r>
+            <a:r>
+              <a:rPr lang="fr-CA" dirty="0" err="1"/>
+              <a:t>analogRead</a:t>
+            </a:r>
+            <a:r>
+              <a:rPr lang="fr-CA" dirty="0"/>
+              <a:t>() mesure une tension d’entrée avec 1024 seuils. La valeur retournée est entre 0 et 1023et est proportionnelle à la tension entre 0V et 5V.</a:t>
+            </a:r>
+          </a:p>
+        </p:txBody>
+      </p:sp>
+      <p:grpSp>
+        <p:nvGrpSpPr>
+          <p:cNvPr id="9" name="Groupe 8">
+            <a:extLst>
+              <a:ext uri="{FF2B5EF4-FFF2-40B4-BE49-F238E27FC236}">
+                <a16:creationId xmlns:a16="http://schemas.microsoft.com/office/drawing/2014/main" id="{C3DD557E-F735-4F98-9C8F-F637A7AD9B27}"/>
+              </a:ext>
+            </a:extLst>
+          </p:cNvPr>
+          <p:cNvGrpSpPr/>
+          <p:nvPr/>
+        </p:nvGrpSpPr>
+        <p:grpSpPr>
+          <a:xfrm>
+            <a:off x="1594606" y="2980663"/>
+            <a:ext cx="2044419" cy="3229117"/>
+            <a:chOff x="4663440" y="1289304"/>
+            <a:chExt cx="3115252" cy="4920476"/>
+          </a:xfrm>
+        </p:grpSpPr>
+        <p:pic>
+          <p:nvPicPr>
+            <p:cNvPr id="10" name="Image 9">
+              <a:extLst>
+                <a:ext uri="{FF2B5EF4-FFF2-40B4-BE49-F238E27FC236}">
+                  <a16:creationId xmlns:a16="http://schemas.microsoft.com/office/drawing/2014/main" id="{4D5ACEBC-2FCA-4763-8127-DDE07254625A}"/>
+                </a:ext>
+              </a:extLst>
+            </p:cNvPr>
+            <p:cNvPicPr>
+              <a:picLocks noChangeAspect="1"/>
+            </p:cNvPicPr>
+            <p:nvPr/>
+          </p:nvPicPr>
+          <p:blipFill rotWithShape="1">
+            <a:blip r:embed="rId5"/>
+            <a:srcRect l="34549"/>
+            <a:stretch/>
+          </p:blipFill>
+          <p:spPr>
+            <a:xfrm>
+              <a:off x="4800599" y="1289304"/>
+              <a:ext cx="2978093" cy="4920476"/>
+            </a:xfrm>
+            <a:prstGeom prst="rect">
+              <a:avLst/>
+            </a:prstGeom>
+          </p:spPr>
+        </p:pic>
+        <p:sp>
+          <p:nvSpPr>
+            <p:cNvPr id="11" name="Rectangle 10">
+              <a:extLst>
+                <a:ext uri="{FF2B5EF4-FFF2-40B4-BE49-F238E27FC236}">
+                  <a16:creationId xmlns:a16="http://schemas.microsoft.com/office/drawing/2014/main" id="{463446EF-BA60-4DEE-9496-11CC0861696A}"/>
+                </a:ext>
+              </a:extLst>
+            </p:cNvPr>
+            <p:cNvSpPr/>
+            <p:nvPr/>
+          </p:nvSpPr>
+          <p:spPr>
+            <a:xfrm>
+              <a:off x="4663440" y="1618488"/>
+              <a:ext cx="1170432" cy="745828"/>
+            </a:xfrm>
+            <a:prstGeom prst="rect">
+              <a:avLst/>
+            </a:prstGeom>
+            <a:solidFill>
+              <a:schemeClr val="bg1"/>
+            </a:solidFill>
+            <a:ln>
+              <a:noFill/>
+            </a:ln>
+          </p:spPr>
+          <p:style>
+            <a:lnRef idx="2">
+              <a:schemeClr val="accent1">
+                <a:shade val="50000"/>
+              </a:schemeClr>
+            </a:lnRef>
+            <a:fillRef idx="1">
+              <a:schemeClr val="accent1"/>
+            </a:fillRef>
+            <a:effectRef idx="0">
+              <a:schemeClr val="accent1"/>
+            </a:effectRef>
+            <a:fontRef idx="minor">
+              <a:schemeClr val="lt1"/>
+            </a:fontRef>
+          </p:style>
+          <p:txBody>
+            <a:bodyPr rtlCol="0" anchor="ctr"/>
+            <a:lstStyle/>
+            <a:p>
+              <a:pPr algn="ctr"/>
+              <a:endParaRPr lang="fr-CA"/>
+            </a:p>
+          </p:txBody>
+        </p:sp>
+      </p:grpSp>
     </p:spTree>
     <p:extLst>
       <p:ext uri="{BB962C8B-B14F-4D97-AF65-F5344CB8AC3E}">
-        <p14:creationId xmlns:p14="http://schemas.microsoft.com/office/powerpoint/2010/main" val="2439656135"/>
+        <p14:creationId xmlns:p14="http://schemas.microsoft.com/office/powerpoint/2010/main" val="2253050449"/>
       </p:ext>
     </p:extLst>
   </p:cSld>
@@ -7256,7 +7486,7 @@
 </p:sld>
 </file>
 
-<file path=ppt/slides/slide10.xml><?xml version="1.0" encoding="utf-8"?>
+<file path=ppt/slides/slide2.xml><?xml version="1.0" encoding="utf-8"?>
 <p:sld xmlns:a="http://schemas.openxmlformats.org/drawingml/2006/main" xmlns:r="http://schemas.openxmlformats.org/officeDocument/2006/relationships" xmlns:p="http://schemas.openxmlformats.org/presentationml/2006/main">
   <p:cSld>
     <p:spTree>
@@ -7693,7 +7923,7 @@
 </p:sld>
 </file>
 
-<file path=ppt/slides/slide11.xml><?xml version="1.0" encoding="utf-8"?>
+<file path=ppt/slides/slide3.xml><?xml version="1.0" encoding="utf-8"?>
 <p:sld xmlns:a="http://schemas.openxmlformats.org/drawingml/2006/main" xmlns:r="http://schemas.openxmlformats.org/officeDocument/2006/relationships" xmlns:p="http://schemas.openxmlformats.org/presentationml/2006/main">
   <p:cSld>
     <p:spTree>
@@ -8322,2250 +8552,6 @@
     <p:extLst>
       <p:ext uri="{BB962C8B-B14F-4D97-AF65-F5344CB8AC3E}">
         <p14:creationId xmlns:p14="http://schemas.microsoft.com/office/powerpoint/2010/main" val="985208397"/>
-      </p:ext>
-    </p:extLst>
-  </p:cSld>
-  <p:clrMapOvr>
-    <a:masterClrMapping/>
-  </p:clrMapOvr>
-</p:sld>
-</file>
-
-<file path=ppt/slides/slide2.xml><?xml version="1.0" encoding="utf-8"?>
-<p:sld xmlns:a="http://schemas.openxmlformats.org/drawingml/2006/main" xmlns:r="http://schemas.openxmlformats.org/officeDocument/2006/relationships" xmlns:p="http://schemas.openxmlformats.org/presentationml/2006/main">
-  <p:cSld>
-    <p:spTree>
-      <p:nvGrpSpPr>
-        <p:cNvPr id="1" name=""/>
-        <p:cNvGrpSpPr/>
-        <p:nvPr/>
-      </p:nvGrpSpPr>
-      <p:grpSpPr>
-        <a:xfrm>
-          <a:off x="0" y="0"/>
-          <a:ext cx="0" cy="0"/>
-          <a:chOff x="0" y="0"/>
-          <a:chExt cx="0" cy="0"/>
-        </a:xfrm>
-      </p:grpSpPr>
-      <p:sp>
-        <p:nvSpPr>
-          <p:cNvPr id="2" name="Titre 1">
-            <a:extLst>
-              <a:ext uri="{FF2B5EF4-FFF2-40B4-BE49-F238E27FC236}">
-                <a16:creationId xmlns:a16="http://schemas.microsoft.com/office/drawing/2014/main" id="{90BA4EED-BD76-42A7-9C02-042195C34083}"/>
-              </a:ext>
-            </a:extLst>
-          </p:cNvPr>
-          <p:cNvSpPr>
-            <a:spLocks noGrp="1"/>
-          </p:cNvSpPr>
-          <p:nvPr>
-            <p:ph type="title"/>
-          </p:nvPr>
-        </p:nvSpPr>
-        <p:spPr>
-          <a:xfrm>
-            <a:off x="839788" y="365125"/>
-            <a:ext cx="10515600" cy="1325563"/>
-          </a:xfrm>
-        </p:spPr>
-        <p:txBody>
-          <a:bodyPr vert="horz" lIns="91440" tIns="45720" rIns="91440" bIns="45720" rtlCol="0" anchor="ctr">
-            <a:normAutofit/>
-          </a:bodyPr>
-          <a:lstStyle/>
-          <a:p>
-            <a:r>
-              <a:rPr lang="fr-FR" b="1" i="0" kern="1200" spc="-150">
-                <a:latin typeface="+mj-lt"/>
-                <a:ea typeface="+mj-ea"/>
-                <a:cs typeface="Gill Sans" panose="020B0502020104020203" pitchFamily="34" charset="-79"/>
-              </a:rPr>
-              <a:t>LE DÉROULEMENT DU PROGRAMME</a:t>
-            </a:r>
-          </a:p>
-        </p:txBody>
-      </p:sp>
-      <p:pic>
-        <p:nvPicPr>
-          <p:cNvPr id="4" name="Espace réservé du contenu 3">
-            <a:extLst>
-              <a:ext uri="{FF2B5EF4-FFF2-40B4-BE49-F238E27FC236}">
-                <a16:creationId xmlns:a16="http://schemas.microsoft.com/office/drawing/2014/main" id="{326F82BE-30DA-4E8C-B4A5-6C9C9DD9F5C7}"/>
-              </a:ext>
-            </a:extLst>
-          </p:cNvPr>
-          <p:cNvPicPr>
-            <a:picLocks noGrp="1" noChangeAspect="1"/>
-          </p:cNvPicPr>
-          <p:nvPr>
-            <p:ph sz="half" idx="2"/>
-          </p:nvPr>
-        </p:nvPicPr>
-        <p:blipFill>
-          <a:blip r:embed="rId2"/>
-          <a:stretch>
-            <a:fillRect/>
-          </a:stretch>
-        </p:blipFill>
-        <p:spPr>
-          <a:xfrm>
-            <a:off x="864200" y="1885361"/>
-            <a:ext cx="5108963" cy="4304302"/>
-          </a:xfrm>
-          <a:prstGeom prst="rect">
-            <a:avLst/>
-          </a:prstGeom>
-          <a:noFill/>
-        </p:spPr>
-      </p:pic>
-      <p:sp>
-        <p:nvSpPr>
-          <p:cNvPr id="6" name="Rectangle 5">
-            <a:extLst>
-              <a:ext uri="{FF2B5EF4-FFF2-40B4-BE49-F238E27FC236}">
-                <a16:creationId xmlns:a16="http://schemas.microsoft.com/office/drawing/2014/main" id="{13E3183C-A5A2-4173-8FEC-7FFFEED0977C}"/>
-              </a:ext>
-            </a:extLst>
-          </p:cNvPr>
-          <p:cNvSpPr/>
-          <p:nvPr/>
-        </p:nvSpPr>
-        <p:spPr>
-          <a:xfrm>
-            <a:off x="6172200" y="1885361"/>
-            <a:ext cx="5183188" cy="4304302"/>
-          </a:xfrm>
-          <a:prstGeom prst="rect">
-            <a:avLst/>
-          </a:prstGeom>
-        </p:spPr>
-        <p:txBody>
-          <a:bodyPr vert="horz" lIns="91440" tIns="45720" rIns="91440" bIns="45720" rtlCol="0">
-            <a:normAutofit/>
-          </a:bodyPr>
-          <a:lstStyle/>
-          <a:p>
-            <a:pPr>
-              <a:lnSpc>
-                <a:spcPct val="90000"/>
-              </a:lnSpc>
-              <a:spcAft>
-                <a:spcPts val="600"/>
-              </a:spcAft>
-            </a:pPr>
-            <a:r>
-              <a:rPr lang="fr-FR" sz="2000" dirty="0">
-                <a:solidFill>
-                  <a:schemeClr val="tx2"/>
-                </a:solidFill>
-              </a:rPr>
-              <a:t>Le programme se déroule de la façon suivante :</a:t>
-            </a:r>
-          </a:p>
-          <a:p>
-            <a:pPr>
-              <a:lnSpc>
-                <a:spcPct val="90000"/>
-              </a:lnSpc>
-              <a:spcAft>
-                <a:spcPts val="600"/>
-              </a:spcAft>
-            </a:pPr>
-            <a:r>
-              <a:rPr lang="fr-FR" sz="2000" dirty="0">
-                <a:solidFill>
-                  <a:schemeClr val="tx2"/>
-                </a:solidFill>
-              </a:rPr>
-              <a:t>1. Prise en compte des instructions de la partie déclarative</a:t>
-            </a:r>
-          </a:p>
-          <a:p>
-            <a:pPr>
-              <a:lnSpc>
-                <a:spcPct val="90000"/>
-              </a:lnSpc>
-              <a:spcAft>
-                <a:spcPts val="600"/>
-              </a:spcAft>
-            </a:pPr>
-            <a:r>
-              <a:rPr lang="fr-FR" sz="2000" dirty="0">
-                <a:solidFill>
-                  <a:schemeClr val="tx2"/>
-                </a:solidFill>
-              </a:rPr>
-              <a:t>2. Exécution au démarrage de la partie configuration définie par la fonction setup(),</a:t>
-            </a:r>
-          </a:p>
-          <a:p>
-            <a:pPr>
-              <a:lnSpc>
-                <a:spcPct val="90000"/>
-              </a:lnSpc>
-              <a:spcAft>
-                <a:spcPts val="600"/>
-              </a:spcAft>
-            </a:pPr>
-            <a:r>
-              <a:rPr lang="fr-FR" sz="2000" dirty="0">
-                <a:solidFill>
-                  <a:schemeClr val="tx2"/>
-                </a:solidFill>
-              </a:rPr>
-              <a:t>3. Exécution de la boucle par la fonction </a:t>
-            </a:r>
-            <a:r>
-              <a:rPr lang="fr-FR" sz="2000" dirty="0" err="1">
-                <a:solidFill>
-                  <a:schemeClr val="tx2"/>
-                </a:solidFill>
-              </a:rPr>
-              <a:t>loop</a:t>
-            </a:r>
-            <a:r>
-              <a:rPr lang="fr-FR" sz="2000" dirty="0">
-                <a:solidFill>
-                  <a:schemeClr val="tx2"/>
-                </a:solidFill>
-              </a:rPr>
-              <a:t>(). Cette boucle s’exécute indéfiniment et le plus rapidement possible.</a:t>
-            </a:r>
-          </a:p>
-        </p:txBody>
-      </p:sp>
-    </p:spTree>
-    <p:extLst>
-      <p:ext uri="{BB962C8B-B14F-4D97-AF65-F5344CB8AC3E}">
-        <p14:creationId xmlns:p14="http://schemas.microsoft.com/office/powerpoint/2010/main" val="957608130"/>
-      </p:ext>
-    </p:extLst>
-  </p:cSld>
-  <p:clrMapOvr>
-    <a:masterClrMapping/>
-  </p:clrMapOvr>
-</p:sld>
-</file>
-
-<file path=ppt/slides/slide3.xml><?xml version="1.0" encoding="utf-8"?>
-<p:sld xmlns:a="http://schemas.openxmlformats.org/drawingml/2006/main" xmlns:r="http://schemas.openxmlformats.org/officeDocument/2006/relationships" xmlns:p="http://schemas.openxmlformats.org/presentationml/2006/main">
-  <p:cSld>
-    <p:spTree>
-      <p:nvGrpSpPr>
-        <p:cNvPr id="1" name=""/>
-        <p:cNvGrpSpPr/>
-        <p:nvPr/>
-      </p:nvGrpSpPr>
-      <p:grpSpPr>
-        <a:xfrm>
-          <a:off x="0" y="0"/>
-          <a:ext cx="0" cy="0"/>
-          <a:chOff x="0" y="0"/>
-          <a:chExt cx="0" cy="0"/>
-        </a:xfrm>
-      </p:grpSpPr>
-      <p:sp>
-        <p:nvSpPr>
-          <p:cNvPr id="2" name="Titre 1">
-            <a:extLst>
-              <a:ext uri="{FF2B5EF4-FFF2-40B4-BE49-F238E27FC236}">
-                <a16:creationId xmlns:a16="http://schemas.microsoft.com/office/drawing/2014/main" id="{90BA4EED-BD76-42A7-9C02-042195C34083}"/>
-              </a:ext>
-            </a:extLst>
-          </p:cNvPr>
-          <p:cNvSpPr>
-            <a:spLocks noGrp="1"/>
-          </p:cNvSpPr>
-          <p:nvPr>
-            <p:ph type="title"/>
-          </p:nvPr>
-        </p:nvSpPr>
-        <p:spPr>
-          <a:xfrm>
-            <a:off x="839788" y="365125"/>
-            <a:ext cx="10515600" cy="1325563"/>
-          </a:xfrm>
-        </p:spPr>
-        <p:txBody>
-          <a:bodyPr vert="horz" lIns="91440" tIns="45720" rIns="91440" bIns="45720" rtlCol="0" anchor="ctr">
-            <a:normAutofit/>
-          </a:bodyPr>
-          <a:lstStyle/>
-          <a:p>
-            <a:r>
-              <a:rPr lang="fr-FR" b="1" i="0" kern="1200" spc="-150" dirty="0">
-                <a:latin typeface="+mj-lt"/>
-                <a:ea typeface="+mj-ea"/>
-                <a:cs typeface="Gill Sans" panose="020B0502020104020203" pitchFamily="34" charset="-79"/>
-              </a:rPr>
-              <a:t>LE </a:t>
-            </a:r>
-            <a:r>
-              <a:rPr lang="fr-FR" dirty="0"/>
-              <a:t>CODE MINIMAL</a:t>
-            </a:r>
-            <a:endParaRPr lang="fr-FR" b="1" i="0" kern="1200" spc="-150" dirty="0">
-              <a:latin typeface="+mj-lt"/>
-              <a:ea typeface="+mj-ea"/>
-              <a:cs typeface="Gill Sans" panose="020B0502020104020203" pitchFamily="34" charset="-79"/>
-            </a:endParaRPr>
-          </a:p>
-        </p:txBody>
-      </p:sp>
-      <p:sp>
-        <p:nvSpPr>
-          <p:cNvPr id="5" name="Espace réservé du contenu 4">
-            <a:extLst>
-              <a:ext uri="{FF2B5EF4-FFF2-40B4-BE49-F238E27FC236}">
-                <a16:creationId xmlns:a16="http://schemas.microsoft.com/office/drawing/2014/main" id="{0FB577E3-9257-4B8F-9B58-6E4C8E98C997}"/>
-              </a:ext>
-            </a:extLst>
-          </p:cNvPr>
-          <p:cNvSpPr>
-            <a:spLocks noGrp="1"/>
-          </p:cNvSpPr>
-          <p:nvPr>
-            <p:ph sz="half" idx="2"/>
-          </p:nvPr>
-        </p:nvSpPr>
-        <p:spPr>
-          <a:xfrm>
-            <a:off x="888092" y="2034989"/>
-            <a:ext cx="6690565" cy="1557932"/>
-          </a:xfrm>
-        </p:spPr>
-        <p:txBody>
-          <a:bodyPr>
-            <a:normAutofit/>
-          </a:bodyPr>
-          <a:lstStyle/>
-          <a:p>
-            <a:pPr marL="0" indent="0">
-              <a:buNone/>
-            </a:pPr>
-            <a:r>
-              <a:rPr lang="fr-CA" sz="1400" dirty="0"/>
-              <a:t>La fonction setup() est appelée une seule fois lorsque le programme commence. C'est pourquoi c'est dans cette fonction que l'on va écrire le code qui n'a besoin d'être exécuté qu’une seule fois. On appelle cette fonction : "fonction d'initialisation". On y retrouvera la mise en place des différentes sorties et quelques autres réglages.</a:t>
-            </a:r>
-          </a:p>
-        </p:txBody>
-      </p:sp>
-      <p:pic>
-        <p:nvPicPr>
-          <p:cNvPr id="7" name="Image 6">
-            <a:extLst>
-              <a:ext uri="{FF2B5EF4-FFF2-40B4-BE49-F238E27FC236}">
-                <a16:creationId xmlns:a16="http://schemas.microsoft.com/office/drawing/2014/main" id="{B3A6F94E-B80C-4A97-913F-8428053DE1B1}"/>
-              </a:ext>
-            </a:extLst>
-          </p:cNvPr>
-          <p:cNvPicPr>
-            <a:picLocks noChangeAspect="1"/>
-          </p:cNvPicPr>
-          <p:nvPr/>
-        </p:nvPicPr>
-        <p:blipFill>
-          <a:blip r:embed="rId2"/>
-          <a:stretch>
-            <a:fillRect/>
-          </a:stretch>
-        </p:blipFill>
-        <p:spPr>
-          <a:xfrm>
-            <a:off x="7626960" y="1537987"/>
-            <a:ext cx="3953860" cy="4824360"/>
-          </a:xfrm>
-          <a:prstGeom prst="rect">
-            <a:avLst/>
-          </a:prstGeom>
-        </p:spPr>
-      </p:pic>
-      <p:sp>
-        <p:nvSpPr>
-          <p:cNvPr id="6" name="Espace réservé du contenu 4">
-            <a:extLst>
-              <a:ext uri="{FF2B5EF4-FFF2-40B4-BE49-F238E27FC236}">
-                <a16:creationId xmlns:a16="http://schemas.microsoft.com/office/drawing/2014/main" id="{E3455269-DA88-42B2-88A8-82452FC9BF4E}"/>
-              </a:ext>
-            </a:extLst>
-          </p:cNvPr>
-          <p:cNvSpPr txBox="1">
-            <a:spLocks/>
-          </p:cNvSpPr>
-          <p:nvPr/>
-        </p:nvSpPr>
-        <p:spPr>
-          <a:xfrm>
-            <a:off x="838200" y="4044045"/>
-            <a:ext cx="6690565" cy="1557932"/>
-          </a:xfrm>
-          <a:prstGeom prst="rect">
-            <a:avLst/>
-          </a:prstGeom>
-        </p:spPr>
-        <p:txBody>
-          <a:bodyPr vert="horz" lIns="91440" tIns="45720" rIns="91440" bIns="45720" rtlCol="0">
-            <a:normAutofit/>
-          </a:bodyPr>
-          <a:lstStyle>
-            <a:lvl1pPr marL="228600" indent="-228600" algn="l" defTabSz="914400" rtl="0" eaLnBrk="1" latinLnBrk="0" hangingPunct="1">
-              <a:lnSpc>
-                <a:spcPct val="90000"/>
-              </a:lnSpc>
-              <a:spcBef>
-                <a:spcPts val="1000"/>
-              </a:spcBef>
-              <a:buFont typeface="Arial" panose="020B0604020202020204" pitchFamily="34" charset="0"/>
-              <a:buChar char="•"/>
-              <a:defRPr sz="2000" b="0" i="0" kern="1200">
-                <a:solidFill>
-                  <a:schemeClr val="tx2"/>
-                </a:solidFill>
-                <a:latin typeface="+mn-lt"/>
-                <a:ea typeface="+mn-ea"/>
-                <a:cs typeface="Gill Sans Light" panose="020B0302020104020203"/>
-              </a:defRPr>
-            </a:lvl1pPr>
-            <a:lvl2pPr marL="685800" indent="-228600" algn="l" defTabSz="914400" rtl="0" eaLnBrk="1" latinLnBrk="0" hangingPunct="1">
-              <a:lnSpc>
-                <a:spcPct val="90000"/>
-              </a:lnSpc>
-              <a:spcBef>
-                <a:spcPts val="500"/>
-              </a:spcBef>
-              <a:buFont typeface="Arial" panose="020B0604020202020204" pitchFamily="34" charset="0"/>
-              <a:buChar char="•"/>
-              <a:defRPr sz="1800" b="0" i="0" kern="1200">
-                <a:solidFill>
-                  <a:schemeClr val="tx2"/>
-                </a:solidFill>
-                <a:latin typeface="+mn-lt"/>
-                <a:ea typeface="+mn-ea"/>
-                <a:cs typeface="Gill Sans Light" panose="020B0302020104020203"/>
-              </a:defRPr>
-            </a:lvl2pPr>
-            <a:lvl3pPr marL="1143000" indent="-228600" algn="l" defTabSz="914400" rtl="0" eaLnBrk="1" latinLnBrk="0" hangingPunct="1">
-              <a:lnSpc>
-                <a:spcPct val="90000"/>
-              </a:lnSpc>
-              <a:spcBef>
-                <a:spcPts val="500"/>
-              </a:spcBef>
-              <a:buFont typeface="Arial" panose="020B0604020202020204" pitchFamily="34" charset="0"/>
-              <a:buChar char="•"/>
-              <a:defRPr sz="1600" b="0" i="0" kern="1200">
-                <a:solidFill>
-                  <a:schemeClr val="tx2"/>
-                </a:solidFill>
-                <a:latin typeface="+mn-lt"/>
-                <a:ea typeface="+mn-ea"/>
-                <a:cs typeface="Gill Sans Light" panose="020B0302020104020203"/>
-              </a:defRPr>
-            </a:lvl3pPr>
-            <a:lvl4pPr marL="1600200" indent="-228600" algn="l" defTabSz="914400" rtl="0" eaLnBrk="1" latinLnBrk="0" hangingPunct="1">
-              <a:lnSpc>
-                <a:spcPct val="90000"/>
-              </a:lnSpc>
-              <a:spcBef>
-                <a:spcPts val="500"/>
-              </a:spcBef>
-              <a:buFont typeface="Arial" panose="020B0604020202020204" pitchFamily="34" charset="0"/>
-              <a:buChar char="•"/>
-              <a:defRPr sz="1400" b="0" i="0" kern="1200">
-                <a:solidFill>
-                  <a:schemeClr val="tx2"/>
-                </a:solidFill>
-                <a:latin typeface="+mn-lt"/>
-                <a:ea typeface="+mn-ea"/>
-                <a:cs typeface="Gill Sans Light" panose="020B0302020104020203"/>
-              </a:defRPr>
-            </a:lvl4pPr>
-            <a:lvl5pPr marL="2057400" indent="-228600" algn="l" defTabSz="914400" rtl="0" eaLnBrk="1" latinLnBrk="0" hangingPunct="1">
-              <a:lnSpc>
-                <a:spcPct val="90000"/>
-              </a:lnSpc>
-              <a:spcBef>
-                <a:spcPts val="500"/>
-              </a:spcBef>
-              <a:buFont typeface="Arial" panose="020B0604020202020204" pitchFamily="34" charset="0"/>
-              <a:buChar char="•"/>
-              <a:defRPr sz="1400" b="0" i="0" kern="1200">
-                <a:solidFill>
-                  <a:schemeClr val="tx2"/>
-                </a:solidFill>
-                <a:latin typeface="+mn-lt"/>
-                <a:ea typeface="+mn-ea"/>
-                <a:cs typeface="Gill Sans Light" panose="020B0302020104020203"/>
-              </a:defRPr>
-            </a:lvl5pPr>
-            <a:lvl6pPr marL="2514600" indent="-228600" algn="l" defTabSz="914400" rtl="0" eaLnBrk="1" latinLnBrk="0" hangingPunct="1">
-              <a:lnSpc>
-                <a:spcPct val="90000"/>
-              </a:lnSpc>
-              <a:spcBef>
-                <a:spcPts val="500"/>
-              </a:spcBef>
-              <a:buFont typeface="Arial" panose="020B0604020202020204" pitchFamily="34" charset="0"/>
-              <a:buChar char="•"/>
-              <a:defRPr sz="1800" kern="1200">
-                <a:solidFill>
-                  <a:schemeClr val="tx1"/>
-                </a:solidFill>
-                <a:latin typeface="+mn-lt"/>
-                <a:ea typeface="+mn-ea"/>
-                <a:cs typeface="+mn-cs"/>
-              </a:defRPr>
-            </a:lvl6pPr>
-            <a:lvl7pPr marL="2971800" indent="-228600" algn="l" defTabSz="914400" rtl="0" eaLnBrk="1" latinLnBrk="0" hangingPunct="1">
-              <a:lnSpc>
-                <a:spcPct val="90000"/>
-              </a:lnSpc>
-              <a:spcBef>
-                <a:spcPts val="500"/>
-              </a:spcBef>
-              <a:buFont typeface="Arial" panose="020B0604020202020204" pitchFamily="34" charset="0"/>
-              <a:buChar char="•"/>
-              <a:defRPr sz="1800" kern="1200">
-                <a:solidFill>
-                  <a:schemeClr val="tx1"/>
-                </a:solidFill>
-                <a:latin typeface="+mn-lt"/>
-                <a:ea typeface="+mn-ea"/>
-                <a:cs typeface="+mn-cs"/>
-              </a:defRPr>
-            </a:lvl7pPr>
-            <a:lvl8pPr marL="3429000" indent="-228600" algn="l" defTabSz="914400" rtl="0" eaLnBrk="1" latinLnBrk="0" hangingPunct="1">
-              <a:lnSpc>
-                <a:spcPct val="90000"/>
-              </a:lnSpc>
-              <a:spcBef>
-                <a:spcPts val="500"/>
-              </a:spcBef>
-              <a:buFont typeface="Arial" panose="020B0604020202020204" pitchFamily="34" charset="0"/>
-              <a:buChar char="•"/>
-              <a:defRPr sz="1800" kern="1200">
-                <a:solidFill>
-                  <a:schemeClr val="tx1"/>
-                </a:solidFill>
-                <a:latin typeface="+mn-lt"/>
-                <a:ea typeface="+mn-ea"/>
-                <a:cs typeface="+mn-cs"/>
-              </a:defRPr>
-            </a:lvl8pPr>
-            <a:lvl9pPr marL="3886200" indent="-228600" algn="l" defTabSz="914400" rtl="0" eaLnBrk="1" latinLnBrk="0" hangingPunct="1">
-              <a:lnSpc>
-                <a:spcPct val="90000"/>
-              </a:lnSpc>
-              <a:spcBef>
-                <a:spcPts val="500"/>
-              </a:spcBef>
-              <a:buFont typeface="Arial" panose="020B0604020202020204" pitchFamily="34" charset="0"/>
-              <a:buChar char="•"/>
-              <a:defRPr sz="1800" kern="1200">
-                <a:solidFill>
-                  <a:schemeClr val="tx1"/>
-                </a:solidFill>
-                <a:latin typeface="+mn-lt"/>
-                <a:ea typeface="+mn-ea"/>
-                <a:cs typeface="+mn-cs"/>
-              </a:defRPr>
-            </a:lvl9pPr>
-          </a:lstStyle>
-          <a:p>
-            <a:pPr marL="0" indent="0">
-              <a:buNone/>
-            </a:pPr>
-            <a:r>
-              <a:rPr lang="fr-CA" sz="1400" dirty="0"/>
-              <a:t>C'est dans la fonction </a:t>
-            </a:r>
-            <a:r>
-              <a:rPr lang="fr-CA" sz="1400" dirty="0" err="1"/>
-              <a:t>loop</a:t>
-            </a:r>
-            <a:r>
-              <a:rPr lang="fr-CA" sz="1400" dirty="0"/>
-              <a:t>() que l’on va écrire le contenu du programme. Il faut savoir que cette fonction est appelée continuellement, c'est-à-dire qu’après avoir exécutée une fois on la réexécute, encore et encore le plus rapidement possible. On parle de boucle infinie.</a:t>
-            </a:r>
-          </a:p>
-        </p:txBody>
-      </p:sp>
-    </p:spTree>
-    <p:extLst>
-      <p:ext uri="{BB962C8B-B14F-4D97-AF65-F5344CB8AC3E}">
-        <p14:creationId xmlns:p14="http://schemas.microsoft.com/office/powerpoint/2010/main" val="2714625533"/>
-      </p:ext>
-    </p:extLst>
-  </p:cSld>
-  <p:clrMapOvr>
-    <a:masterClrMapping/>
-  </p:clrMapOvr>
-</p:sld>
-</file>
-
-<file path=ppt/slides/slide4.xml><?xml version="1.0" encoding="utf-8"?>
-<p:sld xmlns:a="http://schemas.openxmlformats.org/drawingml/2006/main" xmlns:r="http://schemas.openxmlformats.org/officeDocument/2006/relationships" xmlns:p="http://schemas.openxmlformats.org/presentationml/2006/main">
-  <p:cSld>
-    <p:spTree>
-      <p:nvGrpSpPr>
-        <p:cNvPr id="1" name=""/>
-        <p:cNvGrpSpPr/>
-        <p:nvPr/>
-      </p:nvGrpSpPr>
-      <p:grpSpPr>
-        <a:xfrm>
-          <a:off x="0" y="0"/>
-          <a:ext cx="0" cy="0"/>
-          <a:chOff x="0" y="0"/>
-          <a:chExt cx="0" cy="0"/>
-        </a:xfrm>
-      </p:grpSpPr>
-      <p:sp>
-        <p:nvSpPr>
-          <p:cNvPr id="2" name="Titre 1">
-            <a:extLst>
-              <a:ext uri="{FF2B5EF4-FFF2-40B4-BE49-F238E27FC236}">
-                <a16:creationId xmlns:a16="http://schemas.microsoft.com/office/drawing/2014/main" id="{90BA4EED-BD76-42A7-9C02-042195C34083}"/>
-              </a:ext>
-            </a:extLst>
-          </p:cNvPr>
-          <p:cNvSpPr>
-            <a:spLocks noGrp="1"/>
-          </p:cNvSpPr>
-          <p:nvPr>
-            <p:ph type="title"/>
-          </p:nvPr>
-        </p:nvSpPr>
-        <p:spPr>
-          <a:xfrm>
-            <a:off x="839788" y="2617874"/>
-            <a:ext cx="4663237" cy="1325563"/>
-          </a:xfrm>
-        </p:spPr>
-        <p:txBody>
-          <a:bodyPr vert="horz" lIns="91440" tIns="45720" rIns="91440" bIns="45720" rtlCol="0" anchor="ctr">
-            <a:normAutofit/>
-          </a:bodyPr>
-          <a:lstStyle/>
-          <a:p>
-            <a:r>
-              <a:rPr lang="fr-FR" b="1" i="0" kern="1200" spc="-150" dirty="0">
-                <a:latin typeface="+mj-lt"/>
-                <a:ea typeface="+mj-ea"/>
-                <a:cs typeface="Gill Sans" panose="020B0502020104020203" pitchFamily="34" charset="-79"/>
-              </a:rPr>
-              <a:t>LES INSTRUCTIONS</a:t>
-            </a:r>
-          </a:p>
-        </p:txBody>
-      </p:sp>
-      <p:grpSp>
-        <p:nvGrpSpPr>
-          <p:cNvPr id="9" name="Groupe 8">
-            <a:extLst>
-              <a:ext uri="{FF2B5EF4-FFF2-40B4-BE49-F238E27FC236}">
-                <a16:creationId xmlns:a16="http://schemas.microsoft.com/office/drawing/2014/main" id="{9976367A-35E1-420B-8FC4-110B806DAF35}"/>
-              </a:ext>
-            </a:extLst>
-          </p:cNvPr>
-          <p:cNvGrpSpPr/>
-          <p:nvPr/>
-        </p:nvGrpSpPr>
-        <p:grpSpPr>
-          <a:xfrm>
-            <a:off x="5626381" y="533317"/>
-            <a:ext cx="5870120" cy="6113291"/>
-            <a:chOff x="5701196" y="533318"/>
-            <a:chExt cx="5356367" cy="5578256"/>
-          </a:xfrm>
-        </p:grpSpPr>
-        <p:pic>
-          <p:nvPicPr>
-            <p:cNvPr id="6" name="Image 5">
-              <a:extLst>
-                <a:ext uri="{FF2B5EF4-FFF2-40B4-BE49-F238E27FC236}">
-                  <a16:creationId xmlns:a16="http://schemas.microsoft.com/office/drawing/2014/main" id="{8F34318D-4374-4D9A-B62D-D6E27551A120}"/>
-                </a:ext>
-              </a:extLst>
-            </p:cNvPr>
-            <p:cNvPicPr>
-              <a:picLocks noChangeAspect="1"/>
-            </p:cNvPicPr>
-            <p:nvPr/>
-          </p:nvPicPr>
-          <p:blipFill>
-            <a:blip r:embed="rId2"/>
-            <a:stretch>
-              <a:fillRect/>
-            </a:stretch>
-          </p:blipFill>
-          <p:spPr>
-            <a:xfrm>
-              <a:off x="5701197" y="533318"/>
-              <a:ext cx="5356366" cy="4188312"/>
-            </a:xfrm>
-            <a:prstGeom prst="rect">
-              <a:avLst/>
-            </a:prstGeom>
-          </p:spPr>
-        </p:pic>
-        <p:pic>
-          <p:nvPicPr>
-            <p:cNvPr id="8" name="Image 7">
-              <a:extLst>
-                <a:ext uri="{FF2B5EF4-FFF2-40B4-BE49-F238E27FC236}">
-                  <a16:creationId xmlns:a16="http://schemas.microsoft.com/office/drawing/2014/main" id="{99097825-D27B-447D-8F81-85B1D85785A5}"/>
-                </a:ext>
-              </a:extLst>
-            </p:cNvPr>
-            <p:cNvPicPr>
-              <a:picLocks noChangeAspect="1"/>
-            </p:cNvPicPr>
-            <p:nvPr/>
-          </p:nvPicPr>
-          <p:blipFill>
-            <a:blip r:embed="rId3"/>
-            <a:stretch>
-              <a:fillRect/>
-            </a:stretch>
-          </p:blipFill>
-          <p:spPr>
-            <a:xfrm>
-              <a:off x="5701196" y="4721630"/>
-              <a:ext cx="5356365" cy="1389944"/>
-            </a:xfrm>
-            <a:prstGeom prst="rect">
-              <a:avLst/>
-            </a:prstGeom>
-          </p:spPr>
-        </p:pic>
-      </p:grpSp>
-    </p:spTree>
-    <p:extLst>
-      <p:ext uri="{BB962C8B-B14F-4D97-AF65-F5344CB8AC3E}">
-        <p14:creationId xmlns:p14="http://schemas.microsoft.com/office/powerpoint/2010/main" val="1334202964"/>
-      </p:ext>
-    </p:extLst>
-  </p:cSld>
-  <p:clrMapOvr>
-    <a:masterClrMapping/>
-  </p:clrMapOvr>
-</p:sld>
-</file>
-
-<file path=ppt/slides/slide5.xml><?xml version="1.0" encoding="utf-8"?>
-<p:sld xmlns:a="http://schemas.openxmlformats.org/drawingml/2006/main" xmlns:r="http://schemas.openxmlformats.org/officeDocument/2006/relationships" xmlns:p="http://schemas.openxmlformats.org/presentationml/2006/main">
-  <p:cSld>
-    <p:spTree>
-      <p:nvGrpSpPr>
-        <p:cNvPr id="1" name=""/>
-        <p:cNvGrpSpPr/>
-        <p:nvPr/>
-      </p:nvGrpSpPr>
-      <p:grpSpPr>
-        <a:xfrm>
-          <a:off x="0" y="0"/>
-          <a:ext cx="0" cy="0"/>
-          <a:chOff x="0" y="0"/>
-          <a:chExt cx="0" cy="0"/>
-        </a:xfrm>
-      </p:grpSpPr>
-      <p:sp>
-        <p:nvSpPr>
-          <p:cNvPr id="2" name="Titre 1">
-            <a:extLst>
-              <a:ext uri="{FF2B5EF4-FFF2-40B4-BE49-F238E27FC236}">
-                <a16:creationId xmlns:a16="http://schemas.microsoft.com/office/drawing/2014/main" id="{F9ADF759-C495-42A8-AD53-0BB33A87AFF2}"/>
-              </a:ext>
-            </a:extLst>
-          </p:cNvPr>
-          <p:cNvSpPr>
-            <a:spLocks noGrp="1"/>
-          </p:cNvSpPr>
-          <p:nvPr>
-            <p:ph type="title"/>
-          </p:nvPr>
-        </p:nvSpPr>
-        <p:spPr/>
-        <p:txBody>
-          <a:bodyPr/>
-          <a:lstStyle/>
-          <a:p>
-            <a:r>
-              <a:rPr lang="en-CA" dirty="0"/>
-              <a:t>TYPES DE VARIABLES DE BASE</a:t>
-            </a:r>
-            <a:endParaRPr lang="fr-CA" dirty="0"/>
-          </a:p>
-        </p:txBody>
-      </p:sp>
-      <p:pic>
-        <p:nvPicPr>
-          <p:cNvPr id="5" name="Espace réservé du contenu 4" descr="Une image contenant table&#10;&#10;Description générée automatiquement">
-            <a:extLst>
-              <a:ext uri="{FF2B5EF4-FFF2-40B4-BE49-F238E27FC236}">
-                <a16:creationId xmlns:a16="http://schemas.microsoft.com/office/drawing/2014/main" id="{1F2A7D7F-D54D-4773-89E7-DDA5EBA5BB45}"/>
-              </a:ext>
-            </a:extLst>
-          </p:cNvPr>
-          <p:cNvPicPr>
-            <a:picLocks noGrp="1" noChangeAspect="1"/>
-          </p:cNvPicPr>
-          <p:nvPr>
-            <p:ph idx="1"/>
-          </p:nvPr>
-        </p:nvPicPr>
-        <p:blipFill>
-          <a:blip r:embed="rId2"/>
-          <a:stretch>
-            <a:fillRect/>
-          </a:stretch>
-        </p:blipFill>
-        <p:spPr>
-          <a:xfrm>
-            <a:off x="2605260" y="1281112"/>
-            <a:ext cx="6655118" cy="4817750"/>
-          </a:xfrm>
-        </p:spPr>
-      </p:pic>
-      <p:sp>
-        <p:nvSpPr>
-          <p:cNvPr id="6" name="ZoneTexte 5">
-            <a:extLst>
-              <a:ext uri="{FF2B5EF4-FFF2-40B4-BE49-F238E27FC236}">
-                <a16:creationId xmlns:a16="http://schemas.microsoft.com/office/drawing/2014/main" id="{134A5A0D-347B-41FF-8ABA-B010EC73CC55}"/>
-              </a:ext>
-            </a:extLst>
-          </p:cNvPr>
-          <p:cNvSpPr txBox="1"/>
-          <p:nvPr/>
-        </p:nvSpPr>
-        <p:spPr>
-          <a:xfrm>
-            <a:off x="2077973" y="6185098"/>
-            <a:ext cx="7897626" cy="307777"/>
-          </a:xfrm>
-          <a:prstGeom prst="rect">
-            <a:avLst/>
-          </a:prstGeom>
-          <a:solidFill>
-            <a:schemeClr val="accent3"/>
-          </a:solidFill>
-          <a:ln>
-            <a:noFill/>
-          </a:ln>
-        </p:spPr>
-        <p:style>
-          <a:lnRef idx="2">
-            <a:schemeClr val="dk1">
-              <a:shade val="50000"/>
-            </a:schemeClr>
-          </a:lnRef>
-          <a:fillRef idx="1">
-            <a:schemeClr val="dk1"/>
-          </a:fillRef>
-          <a:effectRef idx="0">
-            <a:schemeClr val="dk1"/>
-          </a:effectRef>
-          <a:fontRef idx="minor">
-            <a:schemeClr val="lt1"/>
-          </a:fontRef>
-        </p:style>
-        <p:txBody>
-          <a:bodyPr wrap="square" rtlCol="0">
-            <a:spAutoFit/>
-          </a:bodyPr>
-          <a:lstStyle/>
-          <a:p>
-            <a:pPr algn="ctr"/>
-            <a:r>
-              <a:rPr lang="fr-CA" sz="1400" dirty="0">
-                <a:solidFill>
-                  <a:schemeClr val="tx1"/>
-                </a:solidFill>
-              </a:rPr>
-              <a:t>Documentation officielle sur les variables Arduino : </a:t>
-            </a:r>
-            <a:r>
-              <a:rPr lang="fr-CA" sz="1400" dirty="0">
-                <a:solidFill>
-                  <a:schemeClr val="tx1"/>
-                </a:solidFill>
-                <a:hlinkClick r:id="rId3"/>
-              </a:rPr>
-              <a:t>https://www.arduino.cc/reference/en/#variables</a:t>
-            </a:r>
-            <a:r>
-              <a:rPr lang="fr-CA" sz="1400" dirty="0">
-                <a:solidFill>
-                  <a:schemeClr val="tx1"/>
-                </a:solidFill>
-              </a:rPr>
-              <a:t> </a:t>
-            </a:r>
-          </a:p>
-        </p:txBody>
-      </p:sp>
-      <p:sp>
-        <p:nvSpPr>
-          <p:cNvPr id="7" name="ZoneTexte 6">
-            <a:extLst>
-              <a:ext uri="{FF2B5EF4-FFF2-40B4-BE49-F238E27FC236}">
-                <a16:creationId xmlns:a16="http://schemas.microsoft.com/office/drawing/2014/main" id="{4D5AF766-185B-4B8D-9256-9643388650AB}"/>
-              </a:ext>
-            </a:extLst>
-          </p:cNvPr>
-          <p:cNvSpPr txBox="1"/>
-          <p:nvPr/>
-        </p:nvSpPr>
-        <p:spPr>
-          <a:xfrm>
-            <a:off x="5494713" y="1961804"/>
-            <a:ext cx="2044931" cy="307777"/>
-          </a:xfrm>
-          <a:prstGeom prst="rect">
-            <a:avLst/>
-          </a:prstGeom>
-          <a:solidFill>
-            <a:schemeClr val="bg1"/>
-          </a:solidFill>
-        </p:spPr>
-        <p:txBody>
-          <a:bodyPr wrap="square" rtlCol="0">
-            <a:spAutoFit/>
-          </a:bodyPr>
-          <a:lstStyle/>
-          <a:p>
-            <a:r>
-              <a:rPr lang="fr-CA" sz="1400" dirty="0" err="1">
-                <a:highlight>
-                  <a:srgbClr val="FFFFFF"/>
-                </a:highlight>
-              </a:rPr>
-              <a:t>true</a:t>
-            </a:r>
-            <a:r>
-              <a:rPr lang="fr-CA" sz="1400" dirty="0">
-                <a:highlight>
-                  <a:srgbClr val="FFFFFF"/>
-                </a:highlight>
-              </a:rPr>
-              <a:t> or false </a:t>
-            </a:r>
-          </a:p>
-        </p:txBody>
-      </p:sp>
-    </p:spTree>
-    <p:extLst>
-      <p:ext uri="{BB962C8B-B14F-4D97-AF65-F5344CB8AC3E}">
-        <p14:creationId xmlns:p14="http://schemas.microsoft.com/office/powerpoint/2010/main" val="2348817072"/>
-      </p:ext>
-    </p:extLst>
-  </p:cSld>
-  <p:clrMapOvr>
-    <a:masterClrMapping/>
-  </p:clrMapOvr>
-</p:sld>
-</file>
-
-<file path=ppt/slides/slide6.xml><?xml version="1.0" encoding="utf-8"?>
-<p:sld xmlns:a="http://schemas.openxmlformats.org/drawingml/2006/main" xmlns:r="http://schemas.openxmlformats.org/officeDocument/2006/relationships" xmlns:p="http://schemas.openxmlformats.org/presentationml/2006/main">
-  <p:cSld>
-    <p:spTree>
-      <p:nvGrpSpPr>
-        <p:cNvPr id="1" name=""/>
-        <p:cNvGrpSpPr/>
-        <p:nvPr/>
-      </p:nvGrpSpPr>
-      <p:grpSpPr>
-        <a:xfrm>
-          <a:off x="0" y="0"/>
-          <a:ext cx="0" cy="0"/>
-          <a:chOff x="0" y="0"/>
-          <a:chExt cx="0" cy="0"/>
-        </a:xfrm>
-      </p:grpSpPr>
-      <p:sp>
-        <p:nvSpPr>
-          <p:cNvPr id="2" name="Titre 1">
-            <a:extLst>
-              <a:ext uri="{FF2B5EF4-FFF2-40B4-BE49-F238E27FC236}">
-                <a16:creationId xmlns:a16="http://schemas.microsoft.com/office/drawing/2014/main" id="{90BA4EED-BD76-42A7-9C02-042195C34083}"/>
-              </a:ext>
-            </a:extLst>
-          </p:cNvPr>
-          <p:cNvSpPr>
-            <a:spLocks noGrp="1"/>
-          </p:cNvSpPr>
-          <p:nvPr>
-            <p:ph type="title"/>
-          </p:nvPr>
-        </p:nvSpPr>
-        <p:spPr>
-          <a:xfrm>
-            <a:off x="839788" y="365125"/>
-            <a:ext cx="10515600" cy="1325563"/>
-          </a:xfrm>
-        </p:spPr>
-        <p:txBody>
-          <a:bodyPr vert="horz" lIns="91440" tIns="45720" rIns="91440" bIns="45720" rtlCol="0" anchor="ctr">
-            <a:normAutofit/>
-          </a:bodyPr>
-          <a:lstStyle/>
-          <a:p>
-            <a:r>
-              <a:rPr lang="fr-FR" sz="5400" b="1" i="0" kern="1200" spc="-150" dirty="0">
-                <a:latin typeface="+mj-lt"/>
-                <a:ea typeface="+mj-ea"/>
-                <a:cs typeface="Gill Sans" panose="020B0502020104020203" pitchFamily="34" charset="-79"/>
-              </a:rPr>
-              <a:t>ANALYSE DU CODE BLINK</a:t>
-            </a:r>
-          </a:p>
-        </p:txBody>
-      </p:sp>
-      <p:sp>
-        <p:nvSpPr>
-          <p:cNvPr id="9" name="Rectangle 8">
-            <a:extLst>
-              <a:ext uri="{FF2B5EF4-FFF2-40B4-BE49-F238E27FC236}">
-                <a16:creationId xmlns:a16="http://schemas.microsoft.com/office/drawing/2014/main" id="{905FCF9E-7880-4275-8FCC-FFB309085038}"/>
-              </a:ext>
-            </a:extLst>
-          </p:cNvPr>
-          <p:cNvSpPr/>
-          <p:nvPr/>
-        </p:nvSpPr>
-        <p:spPr>
-          <a:xfrm>
-            <a:off x="5556554" y="1524000"/>
-            <a:ext cx="6124458" cy="4968875"/>
-          </a:xfrm>
-          <a:prstGeom prst="rect">
-            <a:avLst/>
-          </a:prstGeom>
-        </p:spPr>
-        <p:txBody>
-          <a:bodyPr vert="horz" lIns="91440" tIns="45720" rIns="91440" bIns="45720" rtlCol="0">
-            <a:normAutofit/>
-          </a:bodyPr>
-          <a:lstStyle/>
-          <a:p>
-            <a:pPr indent="-228600">
-              <a:lnSpc>
-                <a:spcPct val="90000"/>
-              </a:lnSpc>
-              <a:spcAft>
-                <a:spcPts val="600"/>
-              </a:spcAft>
-              <a:buFont typeface="Arial" panose="020B0604020202020204" pitchFamily="34" charset="0"/>
-              <a:buChar char="•"/>
-            </a:pPr>
-            <a:r>
-              <a:rPr lang="fr-FR" sz="1400" dirty="0">
-                <a:solidFill>
-                  <a:schemeClr val="tx2"/>
-                </a:solidFill>
-              </a:rPr>
-              <a:t>La ligne </a:t>
-            </a:r>
-            <a:r>
-              <a:rPr lang="fr-FR" sz="1400" dirty="0" err="1">
-                <a:solidFill>
-                  <a:schemeClr val="tx2"/>
-                </a:solidFill>
-              </a:rPr>
-              <a:t>pinMode</a:t>
-            </a:r>
-            <a:r>
-              <a:rPr lang="fr-FR" sz="1400" dirty="0">
-                <a:solidFill>
-                  <a:schemeClr val="tx2"/>
-                </a:solidFill>
-              </a:rPr>
-              <a:t>(LED_BUILTIN, OUTPUT); initialise la broche LED_BUILTIN de la carte comme sortie, c'est-à-dire que des données seront envoyées depuis le microcontrôleur vers cette broche (on va envoyer de l'électricité).</a:t>
-            </a:r>
-          </a:p>
-          <a:p>
-            <a:pPr indent="-228600">
-              <a:lnSpc>
-                <a:spcPct val="90000"/>
-              </a:lnSpc>
-              <a:spcAft>
-                <a:spcPts val="600"/>
-              </a:spcAft>
-              <a:buFont typeface="Arial" panose="020B0604020202020204" pitchFamily="34" charset="0"/>
-              <a:buChar char="•"/>
-            </a:pPr>
-            <a:r>
-              <a:rPr lang="fr-FR" sz="1400" dirty="0">
-                <a:solidFill>
-                  <a:schemeClr val="tx2"/>
-                </a:solidFill>
-              </a:rPr>
-              <a:t>Avec l'instruction </a:t>
-            </a:r>
-            <a:r>
-              <a:rPr lang="fr-FR" sz="1400" dirty="0" err="1">
-                <a:solidFill>
-                  <a:schemeClr val="tx2"/>
-                </a:solidFill>
-              </a:rPr>
-              <a:t>digitalWrite</a:t>
-            </a:r>
-            <a:r>
-              <a:rPr lang="fr-FR" sz="1400" dirty="0">
-                <a:solidFill>
-                  <a:schemeClr val="tx2"/>
-                </a:solidFill>
-              </a:rPr>
-              <a:t>(LED_BUILTIN, HIGH);, le microcontrôleur connecte la broche LED_BUILTIN au +5V ce qui a pour effet d'allumer la DEL (de l'électricité sort de la broche LED_BUILTIN ).</a:t>
-            </a:r>
-          </a:p>
-          <a:p>
-            <a:pPr indent="-228600">
-              <a:lnSpc>
-                <a:spcPct val="90000"/>
-              </a:lnSpc>
-              <a:spcAft>
-                <a:spcPts val="600"/>
-              </a:spcAft>
-              <a:buFont typeface="Arial" panose="020B0604020202020204" pitchFamily="34" charset="0"/>
-              <a:buChar char="•"/>
-            </a:pPr>
-            <a:r>
-              <a:rPr lang="fr-FR" sz="1400" dirty="0">
-                <a:solidFill>
-                  <a:schemeClr val="tx2"/>
-                </a:solidFill>
-              </a:rPr>
-              <a:t>L'instruction </a:t>
-            </a:r>
-            <a:r>
-              <a:rPr lang="fr-FR" sz="1400" dirty="0" err="1">
-                <a:solidFill>
-                  <a:schemeClr val="tx2"/>
-                </a:solidFill>
-              </a:rPr>
-              <a:t>delay</a:t>
-            </a:r>
-            <a:r>
-              <a:rPr lang="fr-FR" sz="1400" dirty="0">
-                <a:solidFill>
-                  <a:schemeClr val="tx2"/>
-                </a:solidFill>
-              </a:rPr>
-              <a:t>(500); indique au microcontrôleur de ne rien faire pendant 500 millisecondes, soit ½ seconde.</a:t>
-            </a:r>
-          </a:p>
-          <a:p>
-            <a:pPr indent="-228600">
-              <a:lnSpc>
-                <a:spcPct val="90000"/>
-              </a:lnSpc>
-              <a:spcAft>
-                <a:spcPts val="600"/>
-              </a:spcAft>
-              <a:buFont typeface="Arial" panose="020B0604020202020204" pitchFamily="34" charset="0"/>
-              <a:buChar char="•"/>
-            </a:pPr>
-            <a:r>
-              <a:rPr lang="fr-FR" sz="1400" dirty="0">
-                <a:solidFill>
-                  <a:schemeClr val="tx2"/>
-                </a:solidFill>
-              </a:rPr>
-              <a:t>Avec l'instruction </a:t>
-            </a:r>
-            <a:r>
-              <a:rPr lang="fr-FR" sz="1400" dirty="0" err="1">
-                <a:solidFill>
-                  <a:schemeClr val="tx2"/>
-                </a:solidFill>
-              </a:rPr>
-              <a:t>digitalWrite</a:t>
-            </a:r>
-            <a:r>
-              <a:rPr lang="fr-FR" sz="1400" dirty="0">
-                <a:solidFill>
-                  <a:schemeClr val="tx2"/>
-                </a:solidFill>
-              </a:rPr>
-              <a:t>(LED_BUILTIN, LOW);, le microcontrôleur connecte la broche LED_BUILTIN au 0V ce qui a pour effet d'éteindre la DEL (on coupe l'alimentation en électricité).</a:t>
-            </a:r>
-          </a:p>
-          <a:p>
-            <a:pPr indent="-228600">
-              <a:lnSpc>
-                <a:spcPct val="90000"/>
-              </a:lnSpc>
-              <a:spcAft>
-                <a:spcPts val="600"/>
-              </a:spcAft>
-              <a:buFont typeface="Arial" panose="020B0604020202020204" pitchFamily="34" charset="0"/>
-              <a:buChar char="•"/>
-            </a:pPr>
-            <a:r>
-              <a:rPr lang="fr-FR" sz="1400" dirty="0">
-                <a:solidFill>
-                  <a:schemeClr val="tx2"/>
-                </a:solidFill>
-              </a:rPr>
-              <a:t>L'instruction </a:t>
-            </a:r>
-            <a:r>
-              <a:rPr lang="fr-FR" sz="1400" dirty="0" err="1">
-                <a:solidFill>
-                  <a:schemeClr val="tx2"/>
-                </a:solidFill>
-              </a:rPr>
-              <a:t>delay</a:t>
-            </a:r>
-            <a:r>
-              <a:rPr lang="fr-FR" sz="1400" dirty="0">
-                <a:solidFill>
-                  <a:schemeClr val="tx2"/>
-                </a:solidFill>
-              </a:rPr>
-              <a:t>(500); indique au microcontrôleur à nouveau de ne rien faire pendant 500ms soit ½ seconde.</a:t>
-            </a:r>
-          </a:p>
-          <a:p>
-            <a:pPr indent="-228600">
-              <a:lnSpc>
-                <a:spcPct val="90000"/>
-              </a:lnSpc>
-              <a:spcAft>
-                <a:spcPts val="600"/>
-              </a:spcAft>
-              <a:buFont typeface="Arial" panose="020B0604020202020204" pitchFamily="34" charset="0"/>
-              <a:buChar char="•"/>
-            </a:pPr>
-            <a:r>
-              <a:rPr lang="fr-FR" sz="1400" dirty="0">
-                <a:solidFill>
-                  <a:schemeClr val="tx2"/>
-                </a:solidFill>
-              </a:rPr>
-              <a:t>Le résultat est donc que la DEL s'allume pendant ½ seconde, puis s'éteint pendant une ½ seconde puis s'allume pendant ½ seconde... elle clignote donc.</a:t>
-            </a:r>
-          </a:p>
-          <a:p>
-            <a:pPr indent="-228600">
-              <a:lnSpc>
-                <a:spcPct val="90000"/>
-              </a:lnSpc>
-              <a:spcAft>
-                <a:spcPts val="600"/>
-              </a:spcAft>
-              <a:buFont typeface="Arial" panose="020B0604020202020204" pitchFamily="34" charset="0"/>
-              <a:buChar char="•"/>
-            </a:pPr>
-            <a:r>
-              <a:rPr lang="fr-FR" sz="1400" dirty="0">
-                <a:solidFill>
-                  <a:schemeClr val="tx2"/>
-                </a:solidFill>
-              </a:rPr>
-              <a:t>Profitons maintenant pour voir ce que signifie le terme OUTPUT. Il s’agit de préciser si la broche est une entrée ou une sortie. En effet, le microcontrôleur a la capacité d'utiliser certaines de ses broches en entrée (INPUT) ou en sortie (OUTPUT). Il suffit simplement d’interchanger une ligne de code pour dire qu'il faut utiliser une broche en entrée (récupération de données) ou en sortie (envoi de données).</a:t>
-            </a:r>
-          </a:p>
-        </p:txBody>
-      </p:sp>
-      <p:pic>
-        <p:nvPicPr>
-          <p:cNvPr id="10" name="Image 9">
-            <a:extLst>
-              <a:ext uri="{FF2B5EF4-FFF2-40B4-BE49-F238E27FC236}">
-                <a16:creationId xmlns:a16="http://schemas.microsoft.com/office/drawing/2014/main" id="{7C43081C-6247-4832-978B-DFC8945D524C}"/>
-              </a:ext>
-            </a:extLst>
-          </p:cNvPr>
-          <p:cNvPicPr>
-            <a:picLocks noChangeAspect="1"/>
-          </p:cNvPicPr>
-          <p:nvPr/>
-        </p:nvPicPr>
-        <p:blipFill>
-          <a:blip r:embed="rId2"/>
-          <a:stretch>
-            <a:fillRect/>
-          </a:stretch>
-        </p:blipFill>
-        <p:spPr>
-          <a:xfrm>
-            <a:off x="1207728" y="1520237"/>
-            <a:ext cx="4093947" cy="4839000"/>
-          </a:xfrm>
-          <a:prstGeom prst="rect">
-            <a:avLst/>
-          </a:prstGeom>
-        </p:spPr>
-      </p:pic>
-    </p:spTree>
-    <p:extLst>
-      <p:ext uri="{BB962C8B-B14F-4D97-AF65-F5344CB8AC3E}">
-        <p14:creationId xmlns:p14="http://schemas.microsoft.com/office/powerpoint/2010/main" val="1988614062"/>
-      </p:ext>
-    </p:extLst>
-  </p:cSld>
-  <p:clrMapOvr>
-    <a:masterClrMapping/>
-  </p:clrMapOvr>
-</p:sld>
-</file>
-
-<file path=ppt/slides/slide7.xml><?xml version="1.0" encoding="utf-8"?>
-<p:sld xmlns:a="http://schemas.openxmlformats.org/drawingml/2006/main" xmlns:r="http://schemas.openxmlformats.org/officeDocument/2006/relationships" xmlns:p="http://schemas.openxmlformats.org/presentationml/2006/main">
-  <p:cSld>
-    <p:spTree>
-      <p:nvGrpSpPr>
-        <p:cNvPr id="1" name=""/>
-        <p:cNvGrpSpPr/>
-        <p:nvPr/>
-      </p:nvGrpSpPr>
-      <p:grpSpPr>
-        <a:xfrm>
-          <a:off x="0" y="0"/>
-          <a:ext cx="0" cy="0"/>
-          <a:chOff x="0" y="0"/>
-          <a:chExt cx="0" cy="0"/>
-        </a:xfrm>
-      </p:grpSpPr>
-      <p:sp>
-        <p:nvSpPr>
-          <p:cNvPr id="3" name="Espace réservé du contenu 2">
-            <a:extLst>
-              <a:ext uri="{FF2B5EF4-FFF2-40B4-BE49-F238E27FC236}">
-                <a16:creationId xmlns:a16="http://schemas.microsoft.com/office/drawing/2014/main" id="{AF191D2F-21FB-4B57-8F1F-D0BFAC1FC76D}"/>
-              </a:ext>
-            </a:extLst>
-          </p:cNvPr>
-          <p:cNvSpPr>
-            <a:spLocks noGrp="1"/>
-          </p:cNvSpPr>
-          <p:nvPr>
-            <p:ph idx="1"/>
-          </p:nvPr>
-        </p:nvSpPr>
-        <p:spPr>
-          <a:xfrm>
-            <a:off x="838200" y="1253330"/>
-            <a:ext cx="10515600" cy="5052219"/>
-          </a:xfrm>
-        </p:spPr>
-        <p:txBody>
-          <a:bodyPr>
-            <a:normAutofit/>
-          </a:bodyPr>
-          <a:lstStyle/>
-          <a:p>
-            <a:pPr marL="0" indent="0">
-              <a:buNone/>
-            </a:pPr>
-            <a:r>
-              <a:rPr lang="fr-CA" dirty="0"/>
-              <a:t>Il est possible de régler la tension présente à la plupart des broches. Cette tension peut être réglée à deux niveaux :</a:t>
-            </a:r>
-          </a:p>
-          <a:p>
-            <a:r>
-              <a:rPr lang="fr-CA" dirty="0"/>
-              <a:t>HIGH : règle la tension à 5V</a:t>
-            </a:r>
-          </a:p>
-          <a:p>
-            <a:r>
-              <a:rPr lang="fr-CA" dirty="0"/>
-              <a:t>LOW : règle la tension à 0V (GND)</a:t>
-            </a:r>
-          </a:p>
-          <a:p>
-            <a:pPr marL="0" indent="0">
-              <a:buNone/>
-            </a:pPr>
-            <a:r>
-              <a:rPr lang="fr-CA" dirty="0"/>
-              <a:t>Pour régler la tension électrique présente à une broche, nous utilisons la paire de fonctions suivantes :</a:t>
-            </a:r>
-          </a:p>
-          <a:p>
-            <a:pPr marL="0" indent="0">
-              <a:buNone/>
-            </a:pPr>
-            <a:r>
-              <a:rPr lang="fr-CA" dirty="0"/>
-              <a:t>1) Configurer la broche en mode sortie :</a:t>
-            </a:r>
-          </a:p>
-          <a:p>
-            <a:pPr marL="457200" indent="-457200">
-              <a:buFont typeface="+mj-lt"/>
-              <a:buAutoNum type="arabicPeriod"/>
-            </a:pPr>
-            <a:endParaRPr lang="fr-CA" dirty="0"/>
-          </a:p>
-          <a:p>
-            <a:pPr marL="0" indent="0">
-              <a:buNone/>
-            </a:pPr>
-            <a:endParaRPr lang="fr-CA" dirty="0"/>
-          </a:p>
-          <a:p>
-            <a:pPr marL="0" indent="0">
-              <a:buNone/>
-            </a:pPr>
-            <a:r>
-              <a:rPr lang="fr-CA" dirty="0"/>
-              <a:t>2) Régler la tension avec l’une des commandes suivantes :</a:t>
-            </a:r>
-          </a:p>
-        </p:txBody>
-      </p:sp>
-      <p:sp>
-        <p:nvSpPr>
-          <p:cNvPr id="2" name="Titre 1">
-            <a:extLst>
-              <a:ext uri="{FF2B5EF4-FFF2-40B4-BE49-F238E27FC236}">
-                <a16:creationId xmlns:a16="http://schemas.microsoft.com/office/drawing/2014/main" id="{0C17CB7E-28ED-42B7-A032-5CD9D07F5FC7}"/>
-              </a:ext>
-            </a:extLst>
-          </p:cNvPr>
-          <p:cNvSpPr>
-            <a:spLocks noGrp="1"/>
-          </p:cNvSpPr>
-          <p:nvPr>
-            <p:ph type="title"/>
-          </p:nvPr>
-        </p:nvSpPr>
-        <p:spPr/>
-        <p:txBody>
-          <a:bodyPr>
-            <a:noAutofit/>
-          </a:bodyPr>
-          <a:lstStyle/>
-          <a:p>
-            <a:r>
-              <a:rPr lang="en-CA" sz="3600" dirty="0"/>
-              <a:t>RÉGLER UNE TENSION AVEC </a:t>
-            </a:r>
-            <a:r>
-              <a:rPr lang="en-CA" sz="3600" dirty="0" err="1"/>
-              <a:t>digitalWrite</a:t>
-            </a:r>
-            <a:r>
-              <a:rPr lang="en-CA" sz="3600" dirty="0"/>
-              <a:t>()</a:t>
-            </a:r>
-            <a:endParaRPr lang="fr-CA" sz="3600" dirty="0"/>
-          </a:p>
-        </p:txBody>
-      </p:sp>
-      <p:pic>
-        <p:nvPicPr>
-          <p:cNvPr id="7" name="Image 6">
-            <a:extLst>
-              <a:ext uri="{FF2B5EF4-FFF2-40B4-BE49-F238E27FC236}">
-                <a16:creationId xmlns:a16="http://schemas.microsoft.com/office/drawing/2014/main" id="{D520F6D8-535E-4429-8AC0-C45B200178FB}"/>
-              </a:ext>
-            </a:extLst>
-          </p:cNvPr>
-          <p:cNvPicPr>
-            <a:picLocks noChangeAspect="1"/>
-          </p:cNvPicPr>
-          <p:nvPr/>
-        </p:nvPicPr>
-        <p:blipFill>
-          <a:blip r:embed="rId2"/>
-          <a:stretch>
-            <a:fillRect/>
-          </a:stretch>
-        </p:blipFill>
-        <p:spPr>
-          <a:xfrm>
-            <a:off x="2342834" y="3583671"/>
-            <a:ext cx="6858957" cy="647790"/>
-          </a:xfrm>
-          <a:prstGeom prst="rect">
-            <a:avLst/>
-          </a:prstGeom>
-        </p:spPr>
-      </p:pic>
-      <p:pic>
-        <p:nvPicPr>
-          <p:cNvPr id="8" name="Image 7">
-            <a:extLst>
-              <a:ext uri="{FF2B5EF4-FFF2-40B4-BE49-F238E27FC236}">
-                <a16:creationId xmlns:a16="http://schemas.microsoft.com/office/drawing/2014/main" id="{EB3458A9-F6AD-45F5-8DD4-78BE5F0DC876}"/>
-              </a:ext>
-            </a:extLst>
-          </p:cNvPr>
-          <p:cNvPicPr>
-            <a:picLocks noChangeAspect="1"/>
-          </p:cNvPicPr>
-          <p:nvPr/>
-        </p:nvPicPr>
-        <p:blipFill>
-          <a:blip r:embed="rId3"/>
-          <a:stretch>
-            <a:fillRect/>
-          </a:stretch>
-        </p:blipFill>
-        <p:spPr>
-          <a:xfrm>
-            <a:off x="2342834" y="4763609"/>
-            <a:ext cx="7354326" cy="504895"/>
-          </a:xfrm>
-          <a:prstGeom prst="rect">
-            <a:avLst/>
-          </a:prstGeom>
-        </p:spPr>
-      </p:pic>
-      <p:pic>
-        <p:nvPicPr>
-          <p:cNvPr id="9" name="Image 8">
-            <a:extLst>
-              <a:ext uri="{FF2B5EF4-FFF2-40B4-BE49-F238E27FC236}">
-                <a16:creationId xmlns:a16="http://schemas.microsoft.com/office/drawing/2014/main" id="{0A0F75B6-59A0-4688-8BFF-85CD4EEDE95D}"/>
-              </a:ext>
-            </a:extLst>
-          </p:cNvPr>
-          <p:cNvPicPr>
-            <a:picLocks noChangeAspect="1"/>
-          </p:cNvPicPr>
-          <p:nvPr/>
-        </p:nvPicPr>
-        <p:blipFill>
-          <a:blip r:embed="rId4"/>
-          <a:stretch>
-            <a:fillRect/>
-          </a:stretch>
-        </p:blipFill>
-        <p:spPr>
-          <a:xfrm>
-            <a:off x="2342834" y="5455034"/>
-            <a:ext cx="7211431" cy="647790"/>
-          </a:xfrm>
-          <a:prstGeom prst="rect">
-            <a:avLst/>
-          </a:prstGeom>
-        </p:spPr>
-      </p:pic>
-    </p:spTree>
-    <p:extLst>
-      <p:ext uri="{BB962C8B-B14F-4D97-AF65-F5344CB8AC3E}">
-        <p14:creationId xmlns:p14="http://schemas.microsoft.com/office/powerpoint/2010/main" val="291653935"/>
-      </p:ext>
-    </p:extLst>
-  </p:cSld>
-  <p:clrMapOvr>
-    <a:masterClrMapping/>
-  </p:clrMapOvr>
-</p:sld>
-</file>
-
-<file path=ppt/slides/slide8.xml><?xml version="1.0" encoding="utf-8"?>
-<p:sld xmlns:a="http://schemas.openxmlformats.org/drawingml/2006/main" xmlns:r="http://schemas.openxmlformats.org/officeDocument/2006/relationships" xmlns:p="http://schemas.openxmlformats.org/presentationml/2006/main">
-  <p:cSld>
-    <p:spTree>
-      <p:nvGrpSpPr>
-        <p:cNvPr id="1" name=""/>
-        <p:cNvGrpSpPr/>
-        <p:nvPr/>
-      </p:nvGrpSpPr>
-      <p:grpSpPr>
-        <a:xfrm>
-          <a:off x="0" y="0"/>
-          <a:ext cx="0" cy="0"/>
-          <a:chOff x="0" y="0"/>
-          <a:chExt cx="0" cy="0"/>
-        </a:xfrm>
-      </p:grpSpPr>
-      <p:sp>
-        <p:nvSpPr>
-          <p:cNvPr id="3" name="Espace réservé du contenu 2">
-            <a:extLst>
-              <a:ext uri="{FF2B5EF4-FFF2-40B4-BE49-F238E27FC236}">
-                <a16:creationId xmlns:a16="http://schemas.microsoft.com/office/drawing/2014/main" id="{AF191D2F-21FB-4B57-8F1F-D0BFAC1FC76D}"/>
-              </a:ext>
-            </a:extLst>
-          </p:cNvPr>
-          <p:cNvSpPr>
-            <a:spLocks noGrp="1"/>
-          </p:cNvSpPr>
-          <p:nvPr>
-            <p:ph idx="1"/>
-          </p:nvPr>
-        </p:nvSpPr>
-        <p:spPr>
-          <a:xfrm>
-            <a:off x="838200" y="1253330"/>
-            <a:ext cx="10515600" cy="5052219"/>
-          </a:xfrm>
-        </p:spPr>
-        <p:txBody>
-          <a:bodyPr>
-            <a:normAutofit/>
-          </a:bodyPr>
-          <a:lstStyle/>
-          <a:p>
-            <a:pPr marL="0" indent="0">
-              <a:buNone/>
-            </a:pPr>
-            <a:r>
-              <a:rPr lang="fr-CA" b="1" dirty="0"/>
-              <a:t>Il est possible de détecter la présence ou l’absence de tension selon 2 seuils </a:t>
-            </a:r>
-            <a:r>
-              <a:rPr lang="fr-CA" dirty="0"/>
-              <a:t>:</a:t>
-            </a:r>
-          </a:p>
-          <a:p>
-            <a:r>
-              <a:rPr lang="fr-CA" dirty="0"/>
-              <a:t>HIGH : présence d’une tension &gt; 3.5V</a:t>
-            </a:r>
-          </a:p>
-          <a:p>
-            <a:r>
-              <a:rPr lang="fr-CA" dirty="0"/>
-              <a:t>LOW : présence d’une tension &lt; 1.5 V</a:t>
-            </a:r>
-          </a:p>
-          <a:p>
-            <a:pPr marL="0" indent="0">
-              <a:buNone/>
-            </a:pPr>
-            <a:r>
-              <a:rPr lang="fr-CA" dirty="0"/>
-              <a:t>En fonction du signal reçu, le microcontrôleur pourra effectuer une tâche prévue (allumer la lumière lorsqu'un capteur de mouvement détecte une présence, par exemple). </a:t>
-            </a:r>
-          </a:p>
-          <a:p>
-            <a:pPr marL="0" indent="0">
-              <a:buNone/>
-            </a:pPr>
-            <a:r>
-              <a:rPr lang="fr-CA" dirty="0"/>
-              <a:t>Pour détecter la tension électrique présente à une broche, nous utilisons la paire de fonctions suivantes :</a:t>
-            </a:r>
-          </a:p>
-          <a:p>
-            <a:pPr marL="0" indent="0">
-              <a:buNone/>
-            </a:pPr>
-            <a:r>
-              <a:rPr lang="fr-CA" dirty="0"/>
-              <a:t>1) Configurer la broche en mode entrée (deux modes d’entrée possible) :</a:t>
-            </a:r>
-          </a:p>
-          <a:p>
-            <a:pPr marL="457200" indent="-457200">
-              <a:buFont typeface="+mj-lt"/>
-              <a:buAutoNum type="arabicPeriod"/>
-            </a:pPr>
-            <a:endParaRPr lang="fr-CA" dirty="0"/>
-          </a:p>
-          <a:p>
-            <a:pPr marL="0" indent="0">
-              <a:buNone/>
-            </a:pPr>
-            <a:endParaRPr lang="fr-CA" dirty="0"/>
-          </a:p>
-          <a:p>
-            <a:pPr marL="0" indent="0">
-              <a:buNone/>
-            </a:pPr>
-            <a:r>
-              <a:rPr lang="fr-CA" dirty="0"/>
-              <a:t>2) Effectuer la détection et sauvegarder la valeur dans une variable</a:t>
-            </a:r>
-          </a:p>
-        </p:txBody>
-      </p:sp>
-      <p:pic>
-        <p:nvPicPr>
-          <p:cNvPr id="4" name="Image 3">
-            <a:extLst>
-              <a:ext uri="{FF2B5EF4-FFF2-40B4-BE49-F238E27FC236}">
-                <a16:creationId xmlns:a16="http://schemas.microsoft.com/office/drawing/2014/main" id="{CE8ADE4A-BCA0-430F-8B06-B799CBBA5021}"/>
-              </a:ext>
-            </a:extLst>
-          </p:cNvPr>
-          <p:cNvPicPr>
-            <a:picLocks noChangeAspect="1"/>
-          </p:cNvPicPr>
-          <p:nvPr/>
-        </p:nvPicPr>
-        <p:blipFill>
-          <a:blip r:embed="rId2"/>
-          <a:stretch>
-            <a:fillRect/>
-          </a:stretch>
-        </p:blipFill>
-        <p:spPr>
-          <a:xfrm>
-            <a:off x="2342834" y="3862075"/>
-            <a:ext cx="4515480" cy="514422"/>
-          </a:xfrm>
-          <a:prstGeom prst="rect">
-            <a:avLst/>
-          </a:prstGeom>
-        </p:spPr>
-      </p:pic>
-      <p:pic>
-        <p:nvPicPr>
-          <p:cNvPr id="5" name="Image 4">
-            <a:extLst>
-              <a:ext uri="{FF2B5EF4-FFF2-40B4-BE49-F238E27FC236}">
-                <a16:creationId xmlns:a16="http://schemas.microsoft.com/office/drawing/2014/main" id="{5DC7EF71-A83E-4A7F-A2D1-AE7E1DD82EB6}"/>
-              </a:ext>
-            </a:extLst>
-          </p:cNvPr>
-          <p:cNvPicPr>
-            <a:picLocks noChangeAspect="1"/>
-          </p:cNvPicPr>
-          <p:nvPr/>
-        </p:nvPicPr>
-        <p:blipFill>
-          <a:blip r:embed="rId3"/>
-          <a:stretch>
-            <a:fillRect/>
-          </a:stretch>
-        </p:blipFill>
-        <p:spPr>
-          <a:xfrm>
-            <a:off x="2342833" y="4376497"/>
-            <a:ext cx="5537355" cy="389420"/>
-          </a:xfrm>
-          <a:prstGeom prst="rect">
-            <a:avLst/>
-          </a:prstGeom>
-        </p:spPr>
-      </p:pic>
-      <p:sp>
-        <p:nvSpPr>
-          <p:cNvPr id="2" name="Titre 1">
-            <a:extLst>
-              <a:ext uri="{FF2B5EF4-FFF2-40B4-BE49-F238E27FC236}">
-                <a16:creationId xmlns:a16="http://schemas.microsoft.com/office/drawing/2014/main" id="{0C17CB7E-28ED-42B7-A032-5CD9D07F5FC7}"/>
-              </a:ext>
-            </a:extLst>
-          </p:cNvPr>
-          <p:cNvSpPr>
-            <a:spLocks noGrp="1"/>
-          </p:cNvSpPr>
-          <p:nvPr>
-            <p:ph type="title"/>
-          </p:nvPr>
-        </p:nvSpPr>
-        <p:spPr/>
-        <p:txBody>
-          <a:bodyPr>
-            <a:noAutofit/>
-          </a:bodyPr>
-          <a:lstStyle/>
-          <a:p>
-            <a:r>
-              <a:rPr lang="en-CA" sz="3600" dirty="0"/>
-              <a:t>DÉTECTER UNE TENSION AVEC </a:t>
-            </a:r>
-            <a:r>
-              <a:rPr lang="en-CA" sz="3600" dirty="0" err="1"/>
-              <a:t>digitalRead</a:t>
-            </a:r>
-            <a:r>
-              <a:rPr lang="en-CA" sz="3600" dirty="0"/>
-              <a:t>()</a:t>
-            </a:r>
-            <a:endParaRPr lang="fr-CA" sz="3600" dirty="0"/>
-          </a:p>
-        </p:txBody>
-      </p:sp>
-      <p:pic>
-        <p:nvPicPr>
-          <p:cNvPr id="6" name="Image 5">
-            <a:extLst>
-              <a:ext uri="{FF2B5EF4-FFF2-40B4-BE49-F238E27FC236}">
-                <a16:creationId xmlns:a16="http://schemas.microsoft.com/office/drawing/2014/main" id="{D481926A-389B-4552-8B87-9800E4B4ED04}"/>
-              </a:ext>
-            </a:extLst>
-          </p:cNvPr>
-          <p:cNvPicPr>
-            <a:picLocks noChangeAspect="1"/>
-          </p:cNvPicPr>
-          <p:nvPr/>
-        </p:nvPicPr>
-        <p:blipFill>
-          <a:blip r:embed="rId4"/>
-          <a:stretch>
-            <a:fillRect/>
-          </a:stretch>
-        </p:blipFill>
-        <p:spPr>
-          <a:xfrm>
-            <a:off x="2342833" y="5239235"/>
-            <a:ext cx="6106377" cy="514422"/>
-          </a:xfrm>
-          <a:prstGeom prst="rect">
-            <a:avLst/>
-          </a:prstGeom>
-        </p:spPr>
-      </p:pic>
-    </p:spTree>
-    <p:extLst>
-      <p:ext uri="{BB962C8B-B14F-4D97-AF65-F5344CB8AC3E}">
-        <p14:creationId xmlns:p14="http://schemas.microsoft.com/office/powerpoint/2010/main" val="118454942"/>
-      </p:ext>
-    </p:extLst>
-  </p:cSld>
-  <p:clrMapOvr>
-    <a:masterClrMapping/>
-  </p:clrMapOvr>
-</p:sld>
-</file>
-
-<file path=ppt/slides/slide9.xml><?xml version="1.0" encoding="utf-8"?>
-<p:sld xmlns:a="http://schemas.openxmlformats.org/drawingml/2006/main" xmlns:r="http://schemas.openxmlformats.org/officeDocument/2006/relationships" xmlns:p="http://schemas.openxmlformats.org/presentationml/2006/main">
-  <p:cSld>
-    <p:spTree>
-      <p:nvGrpSpPr>
-        <p:cNvPr id="1" name=""/>
-        <p:cNvGrpSpPr/>
-        <p:nvPr/>
-      </p:nvGrpSpPr>
-      <p:grpSpPr>
-        <a:xfrm>
-          <a:off x="0" y="0"/>
-          <a:ext cx="0" cy="0"/>
-          <a:chOff x="0" y="0"/>
-          <a:chExt cx="0" cy="0"/>
-        </a:xfrm>
-      </p:grpSpPr>
-      <p:sp>
-        <p:nvSpPr>
-          <p:cNvPr id="2" name="Titre 1">
-            <a:extLst>
-              <a:ext uri="{FF2B5EF4-FFF2-40B4-BE49-F238E27FC236}">
-                <a16:creationId xmlns:a16="http://schemas.microsoft.com/office/drawing/2014/main" id="{8B93BD86-1677-4312-9146-A273FB3E9BAC}"/>
-              </a:ext>
-            </a:extLst>
-          </p:cNvPr>
-          <p:cNvSpPr>
-            <a:spLocks noGrp="1"/>
-          </p:cNvSpPr>
-          <p:nvPr>
-            <p:ph type="title"/>
-          </p:nvPr>
-        </p:nvSpPr>
-        <p:spPr>
-          <a:xfrm>
-            <a:off x="838200" y="365126"/>
-            <a:ext cx="10515600" cy="745828"/>
-          </a:xfrm>
-        </p:spPr>
-        <p:txBody>
-          <a:bodyPr>
-            <a:noAutofit/>
-          </a:bodyPr>
-          <a:lstStyle/>
-          <a:p>
-            <a:r>
-              <a:rPr lang="en-CA" sz="3600" dirty="0"/>
-              <a:t>MESURER UNE TENSION AVEC </a:t>
-            </a:r>
-            <a:r>
-              <a:rPr lang="en-CA" sz="3600" dirty="0" err="1"/>
-              <a:t>analogRead</a:t>
-            </a:r>
-            <a:r>
-              <a:rPr lang="en-CA" sz="3600" dirty="0"/>
-              <a:t>()</a:t>
-            </a:r>
-            <a:endParaRPr lang="fr-CA" sz="3600" dirty="0"/>
-          </a:p>
-        </p:txBody>
-      </p:sp>
-      <p:sp>
-        <p:nvSpPr>
-          <p:cNvPr id="4" name="Rectangle 3">
-            <a:extLst>
-              <a:ext uri="{FF2B5EF4-FFF2-40B4-BE49-F238E27FC236}">
-                <a16:creationId xmlns:a16="http://schemas.microsoft.com/office/drawing/2014/main" id="{BD2618F9-D697-4BF0-92A8-C441FA2D191A}"/>
-              </a:ext>
-            </a:extLst>
-          </p:cNvPr>
-          <p:cNvSpPr/>
-          <p:nvPr/>
-        </p:nvSpPr>
-        <p:spPr>
-          <a:xfrm>
-            <a:off x="5653245" y="5969654"/>
-            <a:ext cx="5548661" cy="523220"/>
-          </a:xfrm>
-          <a:prstGeom prst="rect">
-            <a:avLst/>
-          </a:prstGeom>
-        </p:spPr>
-        <p:txBody>
-          <a:bodyPr wrap="square">
-            <a:spAutoFit/>
-          </a:bodyPr>
-          <a:lstStyle/>
-          <a:p>
-            <a:r>
-              <a:rPr lang="fr-CA" sz="1400" dirty="0">
-                <a:hlinkClick r:id="rId2"/>
-              </a:rPr>
-              <a:t>https://www.arduino.cc/reference/en/language/functions/analog-io/analogread/</a:t>
-            </a:r>
-            <a:endParaRPr lang="fr-CA" sz="1400" dirty="0"/>
-          </a:p>
-          <a:p>
-            <a:pPr algn="ctr"/>
-            <a:endParaRPr lang="fr-CA" sz="1400" dirty="0"/>
-          </a:p>
-        </p:txBody>
-      </p:sp>
-      <p:pic>
-        <p:nvPicPr>
-          <p:cNvPr id="5" name="Image 4">
-            <a:hlinkClick r:id="rId2"/>
-            <a:extLst>
-              <a:ext uri="{FF2B5EF4-FFF2-40B4-BE49-F238E27FC236}">
-                <a16:creationId xmlns:a16="http://schemas.microsoft.com/office/drawing/2014/main" id="{B62806D1-FBD9-4118-9F5F-F52CCCFEC22E}"/>
-              </a:ext>
-            </a:extLst>
-          </p:cNvPr>
-          <p:cNvPicPr>
-            <a:picLocks noChangeAspect="1"/>
-          </p:cNvPicPr>
-          <p:nvPr/>
-        </p:nvPicPr>
-        <p:blipFill>
-          <a:blip r:embed="rId3"/>
-          <a:stretch>
-            <a:fillRect/>
-          </a:stretch>
-        </p:blipFill>
-        <p:spPr>
-          <a:xfrm>
-            <a:off x="5653245" y="1181519"/>
-            <a:ext cx="5548661" cy="4789918"/>
-          </a:xfrm>
-          <a:prstGeom prst="rect">
-            <a:avLst/>
-          </a:prstGeom>
-        </p:spPr>
-      </p:pic>
-      <p:pic>
-        <p:nvPicPr>
-          <p:cNvPr id="6" name="Image 5">
-            <a:extLst>
-              <a:ext uri="{FF2B5EF4-FFF2-40B4-BE49-F238E27FC236}">
-                <a16:creationId xmlns:a16="http://schemas.microsoft.com/office/drawing/2014/main" id="{5205D6F7-494D-40DB-8A06-0186C909D620}"/>
-              </a:ext>
-            </a:extLst>
-          </p:cNvPr>
-          <p:cNvPicPr>
-            <a:picLocks noChangeAspect="1"/>
-          </p:cNvPicPr>
-          <p:nvPr/>
-        </p:nvPicPr>
-        <p:blipFill>
-          <a:blip r:embed="rId4"/>
-          <a:stretch>
-            <a:fillRect/>
-          </a:stretch>
-        </p:blipFill>
-        <p:spPr>
-          <a:xfrm>
-            <a:off x="1174032" y="1232336"/>
-            <a:ext cx="4038904" cy="280779"/>
-          </a:xfrm>
-          <a:prstGeom prst="rect">
-            <a:avLst/>
-          </a:prstGeom>
-        </p:spPr>
-      </p:pic>
-      <p:sp>
-        <p:nvSpPr>
-          <p:cNvPr id="51" name="ZoneTexte 50">
-            <a:extLst>
-              <a:ext uri="{FF2B5EF4-FFF2-40B4-BE49-F238E27FC236}">
-                <a16:creationId xmlns:a16="http://schemas.microsoft.com/office/drawing/2014/main" id="{3A64A0CB-9455-4144-996C-94416F2B5BB6}"/>
-              </a:ext>
-            </a:extLst>
-          </p:cNvPr>
-          <p:cNvSpPr txBox="1"/>
-          <p:nvPr/>
-        </p:nvSpPr>
-        <p:spPr>
-          <a:xfrm>
-            <a:off x="1686575" y="1205338"/>
-            <a:ext cx="761999" cy="307777"/>
-          </a:xfrm>
-          <a:prstGeom prst="rect">
-            <a:avLst/>
-          </a:prstGeom>
-          <a:solidFill>
-            <a:schemeClr val="bg2"/>
-          </a:solidFill>
-          <a:ln>
-            <a:noFill/>
-          </a:ln>
-        </p:spPr>
-        <p:style>
-          <a:lnRef idx="2">
-            <a:schemeClr val="dk1">
-              <a:shade val="50000"/>
-            </a:schemeClr>
-          </a:lnRef>
-          <a:fillRef idx="1">
-            <a:schemeClr val="dk1"/>
-          </a:fillRef>
-          <a:effectRef idx="0">
-            <a:schemeClr val="dk1"/>
-          </a:effectRef>
-          <a:fontRef idx="minor">
-            <a:schemeClr val="lt1"/>
-          </a:fontRef>
-        </p:style>
-        <p:txBody>
-          <a:bodyPr wrap="square" rtlCol="0">
-            <a:spAutoFit/>
-          </a:bodyPr>
-          <a:lstStyle/>
-          <a:p>
-            <a:pPr algn="ctr"/>
-            <a:r>
-              <a:rPr lang="fr-CA" sz="1400" dirty="0">
-                <a:solidFill>
-                  <a:schemeClr val="bg1"/>
-                </a:solidFill>
-              </a:rPr>
-              <a:t>valeur</a:t>
-            </a:r>
-          </a:p>
-        </p:txBody>
-      </p:sp>
-      <p:sp>
-        <p:nvSpPr>
-          <p:cNvPr id="52" name="ZoneTexte 51">
-            <a:extLst>
-              <a:ext uri="{FF2B5EF4-FFF2-40B4-BE49-F238E27FC236}">
-                <a16:creationId xmlns:a16="http://schemas.microsoft.com/office/drawing/2014/main" id="{36D8916D-3E14-49D2-B6B6-79638FF51A7A}"/>
-              </a:ext>
-            </a:extLst>
-          </p:cNvPr>
-          <p:cNvSpPr txBox="1"/>
-          <p:nvPr/>
-        </p:nvSpPr>
-        <p:spPr>
-          <a:xfrm>
-            <a:off x="4283072" y="1205337"/>
-            <a:ext cx="761999" cy="307777"/>
-          </a:xfrm>
-          <a:prstGeom prst="rect">
-            <a:avLst/>
-          </a:prstGeom>
-          <a:solidFill>
-            <a:schemeClr val="bg2"/>
-          </a:solidFill>
-          <a:ln>
-            <a:noFill/>
-          </a:ln>
-        </p:spPr>
-        <p:style>
-          <a:lnRef idx="2">
-            <a:schemeClr val="dk1">
-              <a:shade val="50000"/>
-            </a:schemeClr>
-          </a:lnRef>
-          <a:fillRef idx="1">
-            <a:schemeClr val="dk1"/>
-          </a:fillRef>
-          <a:effectRef idx="0">
-            <a:schemeClr val="dk1"/>
-          </a:effectRef>
-          <a:fontRef idx="minor">
-            <a:schemeClr val="lt1"/>
-          </a:fontRef>
-        </p:style>
-        <p:txBody>
-          <a:bodyPr wrap="square" rtlCol="0">
-            <a:spAutoFit/>
-          </a:bodyPr>
-          <a:lstStyle/>
-          <a:p>
-            <a:pPr algn="ctr"/>
-            <a:r>
-              <a:rPr lang="fr-CA" sz="1400" dirty="0">
-                <a:solidFill>
-                  <a:schemeClr val="bg1"/>
-                </a:solidFill>
-              </a:rPr>
-              <a:t>broche</a:t>
-            </a:r>
-          </a:p>
-        </p:txBody>
-      </p:sp>
-      <p:sp>
-        <p:nvSpPr>
-          <p:cNvPr id="53" name="ZoneTexte 52">
-            <a:extLst>
-              <a:ext uri="{FF2B5EF4-FFF2-40B4-BE49-F238E27FC236}">
-                <a16:creationId xmlns:a16="http://schemas.microsoft.com/office/drawing/2014/main" id="{B86C93ED-5AD3-45F8-BBD9-B7285DF87FC0}"/>
-              </a:ext>
-            </a:extLst>
-          </p:cNvPr>
-          <p:cNvSpPr txBox="1"/>
-          <p:nvPr/>
-        </p:nvSpPr>
-        <p:spPr>
-          <a:xfrm>
-            <a:off x="1082063" y="1742433"/>
-            <a:ext cx="4222841" cy="1200329"/>
-          </a:xfrm>
-          <a:prstGeom prst="rect">
-            <a:avLst/>
-          </a:prstGeom>
-          <a:noFill/>
-        </p:spPr>
-        <p:txBody>
-          <a:bodyPr wrap="square" rtlCol="0">
-            <a:spAutoFit/>
-          </a:bodyPr>
-          <a:lstStyle/>
-          <a:p>
-            <a:r>
-              <a:rPr lang="en-CA" dirty="0"/>
-              <a:t>L</a:t>
-            </a:r>
-            <a:r>
-              <a:rPr lang="fr-CA" dirty="0"/>
-              <a:t>a fonction </a:t>
-            </a:r>
-            <a:r>
-              <a:rPr lang="fr-CA" dirty="0" err="1"/>
-              <a:t>analogRead</a:t>
-            </a:r>
-            <a:r>
-              <a:rPr lang="fr-CA" dirty="0"/>
-              <a:t>() mesure une tension d’entrée avec 1024 seuils. La valeur retournée est entre 0 et 1023et est proportionnelle à la tension entre 0V et 5V.</a:t>
-            </a:r>
-          </a:p>
-        </p:txBody>
-      </p:sp>
-      <p:grpSp>
-        <p:nvGrpSpPr>
-          <p:cNvPr id="9" name="Groupe 8">
-            <a:extLst>
-              <a:ext uri="{FF2B5EF4-FFF2-40B4-BE49-F238E27FC236}">
-                <a16:creationId xmlns:a16="http://schemas.microsoft.com/office/drawing/2014/main" id="{C3DD557E-F735-4F98-9C8F-F637A7AD9B27}"/>
-              </a:ext>
-            </a:extLst>
-          </p:cNvPr>
-          <p:cNvGrpSpPr/>
-          <p:nvPr/>
-        </p:nvGrpSpPr>
-        <p:grpSpPr>
-          <a:xfrm>
-            <a:off x="1594606" y="2980663"/>
-            <a:ext cx="2044419" cy="3229117"/>
-            <a:chOff x="4663440" y="1289304"/>
-            <a:chExt cx="3115252" cy="4920476"/>
-          </a:xfrm>
-        </p:grpSpPr>
-        <p:pic>
-          <p:nvPicPr>
-            <p:cNvPr id="10" name="Image 9">
-              <a:extLst>
-                <a:ext uri="{FF2B5EF4-FFF2-40B4-BE49-F238E27FC236}">
-                  <a16:creationId xmlns:a16="http://schemas.microsoft.com/office/drawing/2014/main" id="{4D5ACEBC-2FCA-4763-8127-DDE07254625A}"/>
-                </a:ext>
-              </a:extLst>
-            </p:cNvPr>
-            <p:cNvPicPr>
-              <a:picLocks noChangeAspect="1"/>
-            </p:cNvPicPr>
-            <p:nvPr/>
-          </p:nvPicPr>
-          <p:blipFill rotWithShape="1">
-            <a:blip r:embed="rId5"/>
-            <a:srcRect l="34549"/>
-            <a:stretch/>
-          </p:blipFill>
-          <p:spPr>
-            <a:xfrm>
-              <a:off x="4800599" y="1289304"/>
-              <a:ext cx="2978093" cy="4920476"/>
-            </a:xfrm>
-            <a:prstGeom prst="rect">
-              <a:avLst/>
-            </a:prstGeom>
-          </p:spPr>
-        </p:pic>
-        <p:sp>
-          <p:nvSpPr>
-            <p:cNvPr id="11" name="Rectangle 10">
-              <a:extLst>
-                <a:ext uri="{FF2B5EF4-FFF2-40B4-BE49-F238E27FC236}">
-                  <a16:creationId xmlns:a16="http://schemas.microsoft.com/office/drawing/2014/main" id="{463446EF-BA60-4DEE-9496-11CC0861696A}"/>
-                </a:ext>
-              </a:extLst>
-            </p:cNvPr>
-            <p:cNvSpPr/>
-            <p:nvPr/>
-          </p:nvSpPr>
-          <p:spPr>
-            <a:xfrm>
-              <a:off x="4663440" y="1618488"/>
-              <a:ext cx="1170432" cy="745828"/>
-            </a:xfrm>
-            <a:prstGeom prst="rect">
-              <a:avLst/>
-            </a:prstGeom>
-            <a:solidFill>
-              <a:schemeClr val="bg1"/>
-            </a:solidFill>
-            <a:ln>
-              <a:noFill/>
-            </a:ln>
-          </p:spPr>
-          <p:style>
-            <a:lnRef idx="2">
-              <a:schemeClr val="accent1">
-                <a:shade val="50000"/>
-              </a:schemeClr>
-            </a:lnRef>
-            <a:fillRef idx="1">
-              <a:schemeClr val="accent1"/>
-            </a:fillRef>
-            <a:effectRef idx="0">
-              <a:schemeClr val="accent1"/>
-            </a:effectRef>
-            <a:fontRef idx="minor">
-              <a:schemeClr val="lt1"/>
-            </a:fontRef>
-          </p:style>
-          <p:txBody>
-            <a:bodyPr rtlCol="0" anchor="ctr"/>
-            <a:lstStyle/>
-            <a:p>
-              <a:pPr algn="ctr"/>
-              <a:endParaRPr lang="fr-CA"/>
-            </a:p>
-          </p:txBody>
-        </p:sp>
-      </p:grpSp>
-    </p:spTree>
-    <p:extLst>
-      <p:ext uri="{BB962C8B-B14F-4D97-AF65-F5344CB8AC3E}">
-        <p14:creationId xmlns:p14="http://schemas.microsoft.com/office/powerpoint/2010/main" val="2253050449"/>
       </p:ext>
     </p:extLst>
   </p:cSld>
@@ -11367,15 +9353,6 @@
 </file>
 
 <file path=customXml/item1.xml><?xml version="1.0" encoding="utf-8"?>
-<?mso-contentType ?>
-<FormTemplates xmlns="http://schemas.microsoft.com/sharepoint/v3/contenttype/forms">
-  <Display>DocumentLibraryForm</Display>
-  <Edit>DocumentLibraryForm</Edit>
-  <New>DocumentLibraryForm</New>
-</FormTemplates>
-</file>
-
-<file path=customXml/item2.xml><?xml version="1.0" encoding="utf-8"?>
 <ct:contentTypeSchema xmlns:ct="http://schemas.microsoft.com/office/2006/metadata/contentType" xmlns:ma="http://schemas.microsoft.com/office/2006/metadata/properties/metaAttributes" ct:_="" ma:_="" ma:contentTypeName="Document" ma:contentTypeID="0x0101006FCD3BD1AD87D54D93EC3B048FD09070" ma:contentTypeVersion="11" ma:contentTypeDescription="Crée un document." ma:contentTypeScope="" ma:versionID="41517c42235082875bb737fb2c657b45">
   <xsd:schema xmlns:xsd="http://www.w3.org/2001/XMLSchema" xmlns:xs="http://www.w3.org/2001/XMLSchema" xmlns:p="http://schemas.microsoft.com/office/2006/metadata/properties" xmlns:ns3="3af51170-2ce2-4006-8386-511101e971ef" xmlns:ns4="d62bf29e-04a8-4b16-841f-7e0357422469" targetNamespace="http://schemas.microsoft.com/office/2006/metadata/properties" ma:root="true" ma:fieldsID="49f6360b161555d2c93f4ed894218b51" ns3:_="" ns4:_="">
     <xsd:import namespace="3af51170-2ce2-4006-8386-511101e971ef"/>
@@ -11584,6 +9561,15 @@
 </ct:contentTypeSchema>
 </file>
 
+<file path=customXml/item2.xml><?xml version="1.0" encoding="utf-8"?>
+<?mso-contentType ?>
+<FormTemplates xmlns="http://schemas.microsoft.com/sharepoint/v3/contenttype/forms">
+  <Display>DocumentLibraryForm</Display>
+  <Edit>DocumentLibraryForm</Edit>
+  <New>DocumentLibraryForm</New>
+</FormTemplates>
+</file>
+
 <file path=customXml/item3.xml><?xml version="1.0" encoding="utf-8"?>
 <p:properties xmlns:p="http://schemas.microsoft.com/office/2006/metadata/properties" xmlns:xsi="http://www.w3.org/2001/XMLSchema-instance" xmlns:pc="http://schemas.microsoft.com/office/infopath/2007/PartnerControls">
   <documentManagement/>
@@ -11591,14 +9577,6 @@
 </file>
 
 <file path=customXml/itemProps1.xml><?xml version="1.0" encoding="utf-8"?>
-<ds:datastoreItem xmlns:ds="http://schemas.openxmlformats.org/officeDocument/2006/customXml" ds:itemID="{22A67AA4-7A39-4D54-84CA-5821BEF7F79E}">
-  <ds:schemaRefs>
-    <ds:schemaRef ds:uri="http://schemas.microsoft.com/sharepoint/v3/contenttype/forms"/>
-  </ds:schemaRefs>
-</ds:datastoreItem>
-</file>
-
-<file path=customXml/itemProps2.xml><?xml version="1.0" encoding="utf-8"?>
 <ds:datastoreItem xmlns:ds="http://schemas.openxmlformats.org/officeDocument/2006/customXml" ds:itemID="{76617351-D871-487C-A760-1F61FC1396A2}">
   <ds:schemaRefs>
     <ds:schemaRef ds:uri="http://schemas.microsoft.com/office/2006/metadata/contentType"/>
@@ -11617,6 +9595,14 @@
 </ds:datastoreItem>
 </file>
 
+<file path=customXml/itemProps2.xml><?xml version="1.0" encoding="utf-8"?>
+<ds:datastoreItem xmlns:ds="http://schemas.openxmlformats.org/officeDocument/2006/customXml" ds:itemID="{22A67AA4-7A39-4D54-84CA-5821BEF7F79E}">
+  <ds:schemaRefs>
+    <ds:schemaRef ds:uri="http://schemas.microsoft.com/sharepoint/v3/contenttype/forms"/>
+  </ds:schemaRefs>
+</ds:datastoreItem>
+</file>
+
 <file path=customXml/itemProps3.xml><?xml version="1.0" encoding="utf-8"?>
 <ds:datastoreItem xmlns:ds="http://schemas.openxmlformats.org/officeDocument/2006/customXml" ds:itemID="{29DE6D2A-0A40-4DAB-B8AE-656243D6AB33}">
   <ds:schemaRefs>
